--- a/MiscellaneousFile/presentazione_progetto.pptx
+++ b/MiscellaneousFile/presentazione_progetto.pptx
@@ -111,6 +111,11 @@
       </a:defRPr>
     </a:lvl9pPr>
   </p:defaultTextStyle>
+  <p:extLst>
+    <p:ext uri="{EFAFB233-063F-42B5-8137-9DF3F51BA10A}">
+      <p15:sldGuideLst xmlns:p15="http://schemas.microsoft.com/office/powerpoint/2012/main"/>
+    </p:ext>
+  </p:extLst>
 </p:presentation>
 </file>
 
@@ -3785,42 +3790,42 @@
   <p:extLst mod="1">
     <p:ext uri="{27BBF7A9-308A-43DC-89C8-2F10F3537804}">
       <p15:sldGuideLst xmlns:p15="http://schemas.microsoft.com/office/powerpoint/2012/main">
-        <p15:guide id="4294967295" orient="horz" pos="1368">
+        <p15:guide id="1" orient="horz" pos="1368">
           <p15:clr>
             <a:srgbClr val="F26B43"/>
           </p15:clr>
         </p15:guide>
-        <p15:guide id="4294967295" orient="horz" pos="1440">
+        <p15:guide id="2" orient="horz" pos="1440">
           <p15:clr>
             <a:srgbClr val="F26B43"/>
           </p15:clr>
         </p15:guide>
-        <p15:guide id="4294967295" orient="horz" pos="3696">
+        <p15:guide id="3" orient="horz" pos="3696">
           <p15:clr>
             <a:srgbClr val="F26B43"/>
           </p15:clr>
         </p15:guide>
-        <p15:guide id="4294967295" orient="horz" pos="432">
+        <p15:guide id="4" orient="horz" pos="432">
           <p15:clr>
             <a:srgbClr val="F26B43"/>
           </p15:clr>
         </p15:guide>
-        <p15:guide id="4294967295" orient="horz" pos="1512">
+        <p15:guide id="5" orient="horz" pos="1512">
           <p15:clr>
             <a:srgbClr val="F26B43"/>
           </p15:clr>
         </p15:guide>
-        <p15:guide id="4294967295" pos="6912">
+        <p15:guide id="6" pos="6912">
           <p15:clr>
             <a:srgbClr val="F26B43"/>
           </p15:clr>
         </p15:guide>
-        <p15:guide id="4294967295" pos="936">
+        <p15:guide id="7" pos="936">
           <p15:clr>
             <a:srgbClr val="F26B43"/>
           </p15:clr>
         </p15:guide>
-        <p15:guide id="4294967295" pos="864">
+        <p15:guide id="8" pos="864">
           <p15:clr>
             <a:srgbClr val="F26B43"/>
           </p15:clr>
@@ -3917,6 +3922,13 @@
   <p:clrMapOvr>
     <a:masterClrMapping/>
   </p:clrMapOvr>
+  <p:timing>
+    <p:tnLst>
+      <p:par>
+        <p:cTn id="1" dur="indefinite" restart="never" nodeType="tmRoot"/>
+      </p:par>
+    </p:tnLst>
+  </p:timing>
 </p:sld>
 </file>
 
@@ -3976,8 +3988,12 @@
           <a:lstStyle/>
           <a:p>
             <a:r>
+              <a:rPr lang="it-IT" smtClean="0"/>
+              <a:t>Capo progetto </a:t>
+            </a:r>
+            <a:r>
               <a:rPr lang="it-IT" dirty="0" smtClean="0"/>
-              <a:t>Capoprogetto e coordinatore:</a:t>
+              <a:t>e coordinatore:</a:t>
             </a:r>
             <a:r>
               <a:rPr lang="it-IT" dirty="0"/>
@@ -4133,6 +4149,13 @@
   <p:clrMapOvr>
     <a:masterClrMapping/>
   </p:clrMapOvr>
+  <p:timing>
+    <p:tnLst>
+      <p:par>
+        <p:cTn id="1" dur="indefinite" restart="never" nodeType="tmRoot"/>
+      </p:par>
+    </p:tnLst>
+  </p:timing>
 </p:sld>
 </file>
 
@@ -4252,6 +4275,13 @@
   <p:clrMapOvr>
     <a:masterClrMapping/>
   </p:clrMapOvr>
+  <p:timing>
+    <p:tnLst>
+      <p:par>
+        <p:cTn id="1" dur="indefinite" restart="never" nodeType="tmRoot"/>
+      </p:par>
+    </p:tnLst>
+  </p:timing>
 </p:sld>
 </file>
 
@@ -4351,6 +4381,13 @@
   <p:clrMapOvr>
     <a:masterClrMapping/>
   </p:clrMapOvr>
+  <p:timing>
+    <p:tnLst>
+      <p:par>
+        <p:cTn id="1" dur="indefinite" restart="never" nodeType="tmRoot"/>
+      </p:par>
+    </p:tnLst>
+  </p:timing>
 </p:sld>
 </file>
 
@@ -4444,6 +4481,13 @@
   <p:clrMapOvr>
     <a:masterClrMapping/>
   </p:clrMapOvr>
+  <p:timing>
+    <p:tnLst>
+      <p:par>
+        <p:cTn id="1" dur="indefinite" restart="never" nodeType="tmRoot"/>
+      </p:par>
+    </p:tnLst>
+  </p:timing>
 </p:sld>
 </file>
 
@@ -4551,6 +4595,13 @@
   <p:clrMapOvr>
     <a:masterClrMapping/>
   </p:clrMapOvr>
+  <p:timing>
+    <p:tnLst>
+      <p:par>
+        <p:cTn id="1" dur="indefinite" restart="never" nodeType="tmRoot"/>
+      </p:par>
+    </p:tnLst>
+  </p:timing>
 </p:sld>
 </file>
 
@@ -4645,6 +4696,13 @@
   <p:clrMapOvr>
     <a:masterClrMapping/>
   </p:clrMapOvr>
+  <p:timing>
+    <p:tnLst>
+      <p:par>
+        <p:cTn id="1" dur="indefinite" restart="never" nodeType="tmRoot"/>
+      </p:par>
+    </p:tnLst>
+  </p:timing>
 </p:sld>
 </file>
 
@@ -4712,7 +4770,11 @@
             <a:pPr lvl="1"/>
             <a:r>
               <a:rPr lang="it-IT" dirty="0" smtClean="0"/>
-              <a:t>Selezionare bevande</a:t>
+              <a:t>Selezione delle </a:t>
+            </a:r>
+            <a:r>
+              <a:rPr lang="it-IT" dirty="0" smtClean="0"/>
+              <a:t>bevande</a:t>
             </a:r>
             <a:endParaRPr lang="it-IT" dirty="0"/>
           </a:p>
@@ -4724,8 +4786,13 @@
             <a:pPr lvl="1"/>
             <a:r>
               <a:rPr lang="it-IT" dirty="0" smtClean="0"/>
-              <a:t>Inserimento di chiavette</a:t>
-            </a:r>
+              <a:t>Inserimento </a:t>
+            </a:r>
+            <a:r>
+              <a:rPr lang="it-IT" dirty="0" smtClean="0"/>
+              <a:t>della chiavetta</a:t>
+            </a:r>
+            <a:endParaRPr lang="it-IT" dirty="0" smtClean="0"/>
           </a:p>
           <a:p>
             <a:pPr lvl="1"/>
@@ -4756,6 +4823,13 @@
   <p:clrMapOvr>
     <a:masterClrMapping/>
   </p:clrMapOvr>
+  <p:timing>
+    <p:tnLst>
+      <p:par>
+        <p:cTn id="1" dur="indefinite" restart="never" nodeType="tmRoot"/>
+      </p:par>
+    </p:tnLst>
+  </p:timing>
 </p:sld>
 </file>
 

--- a/MiscellaneousFile/presentazione_progetto.pptx
+++ b/MiscellaneousFile/presentazione_progetto.pptx
@@ -4763,18 +4763,21 @@
           <a:p>
             <a:r>
               <a:rPr lang="it-IT" dirty="0" smtClean="0"/>
-              <a:t>Interazione con l’utente:</a:t>
-            </a:r>
+              <a:t>Interazione con l’utente</a:t>
+            </a:r>
+            <a:r>
+              <a:rPr lang="it-IT" dirty="0" smtClean="0"/>
+              <a:t>:</a:t>
+            </a:r>
+          </a:p>
+          <a:p>
+            <a:endParaRPr lang="it-IT" dirty="0" smtClean="0"/>
           </a:p>
           <a:p>
             <a:pPr lvl="1"/>
             <a:r>
               <a:rPr lang="it-IT" dirty="0" smtClean="0"/>
-              <a:t>Selezione delle </a:t>
-            </a:r>
-            <a:r>
-              <a:rPr lang="it-IT" dirty="0" smtClean="0"/>
-              <a:t>bevande</a:t>
+              <a:t>Selezione delle bevande</a:t>
             </a:r>
             <a:endParaRPr lang="it-IT" dirty="0"/>
           </a:p>
@@ -4786,13 +4789,8 @@
             <a:pPr lvl="1"/>
             <a:r>
               <a:rPr lang="it-IT" dirty="0" smtClean="0"/>
-              <a:t>Inserimento </a:t>
-            </a:r>
-            <a:r>
-              <a:rPr lang="it-IT" dirty="0" smtClean="0"/>
-              <a:t>della chiavetta</a:t>
-            </a:r>
-            <a:endParaRPr lang="it-IT" dirty="0" smtClean="0"/>
+              <a:t>Inserimento della chiavetta</a:t>
+            </a:r>
           </a:p>
           <a:p>
             <a:pPr lvl="1"/>

--- a/MiscellaneousFile/presentazione_progetto.pptx
+++ b/MiscellaneousFile/presentazione_progetto.pptx
@@ -10,9 +10,9 @@
     <p:sldId id="258" r:id="rId4"/>
     <p:sldId id="259" r:id="rId5"/>
     <p:sldId id="260" r:id="rId6"/>
-    <p:sldId id="261" r:id="rId7"/>
-    <p:sldId id="262" r:id="rId8"/>
-    <p:sldId id="263" r:id="rId9"/>
+    <p:sldId id="263" r:id="rId7"/>
+    <p:sldId id="261" r:id="rId8"/>
+    <p:sldId id="262" r:id="rId9"/>
   </p:sldIdLst>
   <p:sldSz cx="12192000" cy="6858000"/>
   <p:notesSz cx="6858000" cy="9144000"/>
@@ -175,7 +175,7 @@
           </a:lstStyle>
           <a:p>
             <a:r>
-              <a:rPr lang="it-IT" smtClean="0"/>
+              <a:rPr lang="it-IT"/>
               <a:t>Fare clic per modificare lo stile del titolo</a:t>
             </a:r>
             <a:endParaRPr lang="en-US" dirty="0"/>
@@ -251,7 +251,7 @@
           </a:lstStyle>
           <a:p>
             <a:r>
-              <a:rPr lang="it-IT" smtClean="0"/>
+              <a:rPr lang="it-IT"/>
               <a:t>Fare clic per modificare lo stile del sottotitolo dello schema</a:t>
             </a:r>
             <a:endParaRPr lang="en-US" dirty="0"/>
@@ -288,7 +288,7 @@
           <a:p>
             <a:fld id="{52B3FE35-3F84-4E3C-B8D2-EA463851FCA1}" type="datetimeFigureOut">
               <a:rPr lang="it-IT" smtClean="0"/>
-              <a:t>15/06/2018</a:t>
+              <a:t>18/06/2018</a:t>
             </a:fld>
             <a:endParaRPr lang="it-IT"/>
           </a:p>
@@ -537,7 +537,7 @@
           <a:lstStyle/>
           <a:p>
             <a:r>
-              <a:rPr lang="it-IT" smtClean="0"/>
+              <a:rPr lang="it-IT"/>
               <a:t>Fare clic per modificare lo stile del titolo</a:t>
             </a:r>
             <a:endParaRPr lang="en-US" dirty="0"/>
@@ -566,35 +566,35 @@
           <a:p>
             <a:pPr lvl="0"/>
             <a:r>
-              <a:rPr lang="it-IT" smtClean="0"/>
+              <a:rPr lang="it-IT"/>
               <a:t>Fare clic per modificare stili del testo dello schema</a:t>
             </a:r>
           </a:p>
           <a:p>
             <a:pPr lvl="1"/>
             <a:r>
-              <a:rPr lang="it-IT" smtClean="0"/>
+              <a:rPr lang="it-IT"/>
               <a:t>Secondo livello</a:t>
             </a:r>
           </a:p>
           <a:p>
             <a:pPr lvl="2"/>
             <a:r>
-              <a:rPr lang="it-IT" smtClean="0"/>
+              <a:rPr lang="it-IT"/>
               <a:t>Terzo livello</a:t>
             </a:r>
           </a:p>
           <a:p>
             <a:pPr lvl="3"/>
             <a:r>
-              <a:rPr lang="it-IT" smtClean="0"/>
+              <a:rPr lang="it-IT"/>
               <a:t>Quarto livello</a:t>
             </a:r>
           </a:p>
           <a:p>
             <a:pPr lvl="4"/>
             <a:r>
-              <a:rPr lang="it-IT" smtClean="0"/>
+              <a:rPr lang="it-IT"/>
               <a:t>Quinto livello</a:t>
             </a:r>
             <a:endParaRPr lang="en-US" dirty="0"/>
@@ -618,7 +618,7 @@
           <a:p>
             <a:fld id="{52B3FE35-3F84-4E3C-B8D2-EA463851FCA1}" type="datetimeFigureOut">
               <a:rPr lang="it-IT" smtClean="0"/>
-              <a:t>15/06/2018</a:t>
+              <a:t>18/06/2018</a:t>
             </a:fld>
             <a:endParaRPr lang="it-IT"/>
           </a:p>
@@ -717,7 +717,7 @@
           <a:lstStyle/>
           <a:p>
             <a:r>
-              <a:rPr lang="it-IT" smtClean="0"/>
+              <a:rPr lang="it-IT"/>
               <a:t>Fare clic per modificare lo stile del titolo</a:t>
             </a:r>
             <a:endParaRPr lang="en-US" dirty="0"/>
@@ -746,35 +746,35 @@
           <a:p>
             <a:pPr lvl="0"/>
             <a:r>
-              <a:rPr lang="it-IT" smtClean="0"/>
+              <a:rPr lang="it-IT"/>
               <a:t>Fare clic per modificare stili del testo dello schema</a:t>
             </a:r>
           </a:p>
           <a:p>
             <a:pPr lvl="1"/>
             <a:r>
-              <a:rPr lang="it-IT" smtClean="0"/>
+              <a:rPr lang="it-IT"/>
               <a:t>Secondo livello</a:t>
             </a:r>
           </a:p>
           <a:p>
             <a:pPr lvl="2"/>
             <a:r>
-              <a:rPr lang="it-IT" smtClean="0"/>
+              <a:rPr lang="it-IT"/>
               <a:t>Terzo livello</a:t>
             </a:r>
           </a:p>
           <a:p>
             <a:pPr lvl="3"/>
             <a:r>
-              <a:rPr lang="it-IT" smtClean="0"/>
+              <a:rPr lang="it-IT"/>
               <a:t>Quarto livello</a:t>
             </a:r>
           </a:p>
           <a:p>
             <a:pPr lvl="4"/>
             <a:r>
-              <a:rPr lang="it-IT" smtClean="0"/>
+              <a:rPr lang="it-IT"/>
               <a:t>Quinto livello</a:t>
             </a:r>
             <a:endParaRPr lang="en-US" dirty="0"/>
@@ -798,7 +798,7 @@
           <a:p>
             <a:fld id="{52B3FE35-3F84-4E3C-B8D2-EA463851FCA1}" type="datetimeFigureOut">
               <a:rPr lang="it-IT" smtClean="0"/>
-              <a:t>15/06/2018</a:t>
+              <a:t>18/06/2018</a:t>
             </a:fld>
             <a:endParaRPr lang="it-IT"/>
           </a:p>
@@ -892,7 +892,7 @@
           <a:lstStyle/>
           <a:p>
             <a:r>
-              <a:rPr lang="it-IT" smtClean="0"/>
+              <a:rPr lang="it-IT"/>
               <a:t>Fare clic per modificare lo stile del titolo</a:t>
             </a:r>
             <a:endParaRPr lang="en-US" dirty="0"/>
@@ -916,35 +916,35 @@
           <a:p>
             <a:pPr lvl="0"/>
             <a:r>
-              <a:rPr lang="it-IT" smtClean="0"/>
+              <a:rPr lang="it-IT"/>
               <a:t>Fare clic per modificare stili del testo dello schema</a:t>
             </a:r>
           </a:p>
           <a:p>
             <a:pPr lvl="1"/>
             <a:r>
-              <a:rPr lang="it-IT" smtClean="0"/>
+              <a:rPr lang="it-IT"/>
               <a:t>Secondo livello</a:t>
             </a:r>
           </a:p>
           <a:p>
             <a:pPr lvl="2"/>
             <a:r>
-              <a:rPr lang="it-IT" smtClean="0"/>
+              <a:rPr lang="it-IT"/>
               <a:t>Terzo livello</a:t>
             </a:r>
           </a:p>
           <a:p>
             <a:pPr lvl="3"/>
             <a:r>
-              <a:rPr lang="it-IT" smtClean="0"/>
+              <a:rPr lang="it-IT"/>
               <a:t>Quarto livello</a:t>
             </a:r>
           </a:p>
           <a:p>
             <a:pPr lvl="4"/>
             <a:r>
-              <a:rPr lang="it-IT" smtClean="0"/>
+              <a:rPr lang="it-IT"/>
               <a:t>Quinto livello</a:t>
             </a:r>
             <a:endParaRPr lang="en-US" dirty="0"/>
@@ -968,7 +968,7 @@
           <a:p>
             <a:fld id="{52B3FE35-3F84-4E3C-B8D2-EA463851FCA1}" type="datetimeFigureOut">
               <a:rPr lang="it-IT" smtClean="0"/>
-              <a:t>15/06/2018</a:t>
+              <a:t>18/06/2018</a:t>
             </a:fld>
             <a:endParaRPr lang="it-IT"/>
           </a:p>
@@ -1082,7 +1082,7 @@
           </a:lstStyle>
           <a:p>
             <a:r>
-              <a:rPr lang="it-IT" smtClean="0"/>
+              <a:rPr lang="it-IT"/>
               <a:t>Fare clic per modificare lo stile del titolo</a:t>
             </a:r>
             <a:endParaRPr lang="en-US" dirty="0"/>
@@ -1209,7 +1209,7 @@
           <a:p>
             <a:pPr lvl="0"/>
             <a:r>
-              <a:rPr lang="it-IT" smtClean="0"/>
+              <a:rPr lang="it-IT"/>
               <a:t>Fare clic per modificare stili del testo dello schema</a:t>
             </a:r>
           </a:p>
@@ -1245,7 +1245,7 @@
           <a:p>
             <a:fld id="{52B3FE35-3F84-4E3C-B8D2-EA463851FCA1}" type="datetimeFigureOut">
               <a:rPr lang="it-IT" smtClean="0"/>
-              <a:t>15/06/2018</a:t>
+              <a:t>18/06/2018</a:t>
             </a:fld>
             <a:endParaRPr lang="it-IT"/>
           </a:p>
@@ -1429,7 +1429,7 @@
           </a:lstStyle>
           <a:p>
             <a:r>
-              <a:rPr lang="it-IT" smtClean="0"/>
+              <a:rPr lang="it-IT"/>
               <a:t>Fare clic per modificare lo stile del titolo</a:t>
             </a:r>
             <a:endParaRPr lang="en-US" dirty="0"/>
@@ -1494,35 +1494,35 @@
           <a:p>
             <a:pPr lvl="0"/>
             <a:r>
-              <a:rPr lang="it-IT" smtClean="0"/>
+              <a:rPr lang="it-IT"/>
               <a:t>Fare clic per modificare stili del testo dello schema</a:t>
             </a:r>
           </a:p>
           <a:p>
             <a:pPr lvl="1"/>
             <a:r>
-              <a:rPr lang="it-IT" smtClean="0"/>
+              <a:rPr lang="it-IT"/>
               <a:t>Secondo livello</a:t>
             </a:r>
           </a:p>
           <a:p>
             <a:pPr lvl="2"/>
             <a:r>
-              <a:rPr lang="it-IT" smtClean="0"/>
+              <a:rPr lang="it-IT"/>
               <a:t>Terzo livello</a:t>
             </a:r>
           </a:p>
           <a:p>
             <a:pPr lvl="3"/>
             <a:r>
-              <a:rPr lang="it-IT" smtClean="0"/>
+              <a:rPr lang="it-IT"/>
               <a:t>Quarto livello</a:t>
             </a:r>
           </a:p>
           <a:p>
             <a:pPr lvl="4"/>
             <a:r>
-              <a:rPr lang="it-IT" smtClean="0"/>
+              <a:rPr lang="it-IT"/>
               <a:t>Quinto livello</a:t>
             </a:r>
             <a:endParaRPr lang="en-US" dirty="0"/>
@@ -1587,35 +1587,35 @@
           <a:p>
             <a:pPr lvl="0"/>
             <a:r>
-              <a:rPr lang="it-IT" smtClean="0"/>
+              <a:rPr lang="it-IT"/>
               <a:t>Fare clic per modificare stili del testo dello schema</a:t>
             </a:r>
           </a:p>
           <a:p>
             <a:pPr lvl="1"/>
             <a:r>
-              <a:rPr lang="it-IT" smtClean="0"/>
+              <a:rPr lang="it-IT"/>
               <a:t>Secondo livello</a:t>
             </a:r>
           </a:p>
           <a:p>
             <a:pPr lvl="2"/>
             <a:r>
-              <a:rPr lang="it-IT" smtClean="0"/>
+              <a:rPr lang="it-IT"/>
               <a:t>Terzo livello</a:t>
             </a:r>
           </a:p>
           <a:p>
             <a:pPr lvl="3"/>
             <a:r>
-              <a:rPr lang="it-IT" smtClean="0"/>
+              <a:rPr lang="it-IT"/>
               <a:t>Quarto livello</a:t>
             </a:r>
           </a:p>
           <a:p>
             <a:pPr lvl="4"/>
             <a:r>
-              <a:rPr lang="it-IT" smtClean="0"/>
+              <a:rPr lang="it-IT"/>
               <a:t>Quinto livello</a:t>
             </a:r>
             <a:endParaRPr lang="en-US" dirty="0"/>
@@ -1639,7 +1639,7 @@
           <a:p>
             <a:fld id="{52B3FE35-3F84-4E3C-B8D2-EA463851FCA1}" type="datetimeFigureOut">
               <a:rPr lang="it-IT" smtClean="0"/>
-              <a:t>15/06/2018</a:t>
+              <a:t>18/06/2018</a:t>
             </a:fld>
             <a:endParaRPr lang="it-IT"/>
           </a:p>
@@ -1746,7 +1746,7 @@
           </a:lstStyle>
           <a:p>
             <a:r>
-              <a:rPr lang="it-IT" smtClean="0"/>
+              <a:rPr lang="it-IT"/>
               <a:t>Fare clic per modificare lo stile del titolo</a:t>
             </a:r>
             <a:endParaRPr lang="en-US" dirty="0"/>
@@ -1827,7 +1827,7 @@
           <a:p>
             <a:pPr lvl="0"/>
             <a:r>
-              <a:rPr lang="it-IT" smtClean="0"/>
+              <a:rPr lang="it-IT"/>
               <a:t>Fare clic per modificare stili del testo dello schema</a:t>
             </a:r>
           </a:p>
@@ -1891,35 +1891,35 @@
           <a:p>
             <a:pPr lvl="0"/>
             <a:r>
-              <a:rPr lang="it-IT" smtClean="0"/>
+              <a:rPr lang="it-IT"/>
               <a:t>Fare clic per modificare stili del testo dello schema</a:t>
             </a:r>
           </a:p>
           <a:p>
             <a:pPr lvl="1"/>
             <a:r>
-              <a:rPr lang="it-IT" smtClean="0"/>
+              <a:rPr lang="it-IT"/>
               <a:t>Secondo livello</a:t>
             </a:r>
           </a:p>
           <a:p>
             <a:pPr lvl="2"/>
             <a:r>
-              <a:rPr lang="it-IT" smtClean="0"/>
+              <a:rPr lang="it-IT"/>
               <a:t>Terzo livello</a:t>
             </a:r>
           </a:p>
           <a:p>
             <a:pPr lvl="3"/>
             <a:r>
-              <a:rPr lang="it-IT" smtClean="0"/>
+              <a:rPr lang="it-IT"/>
               <a:t>Quarto livello</a:t>
             </a:r>
           </a:p>
           <a:p>
             <a:pPr lvl="4"/>
             <a:r>
-              <a:rPr lang="it-IT" smtClean="0"/>
+              <a:rPr lang="it-IT"/>
               <a:t>Quinto livello</a:t>
             </a:r>
             <a:endParaRPr lang="en-US" dirty="0"/>
@@ -2000,7 +2000,7 @@
           <a:p>
             <a:pPr lvl="0"/>
             <a:r>
-              <a:rPr lang="it-IT" smtClean="0"/>
+              <a:rPr lang="it-IT"/>
               <a:t>Fare clic per modificare stili del testo dello schema</a:t>
             </a:r>
           </a:p>
@@ -2064,35 +2064,35 @@
           <a:p>
             <a:pPr lvl="0"/>
             <a:r>
-              <a:rPr lang="it-IT" smtClean="0"/>
+              <a:rPr lang="it-IT"/>
               <a:t>Fare clic per modificare stili del testo dello schema</a:t>
             </a:r>
           </a:p>
           <a:p>
             <a:pPr lvl="1"/>
             <a:r>
-              <a:rPr lang="it-IT" smtClean="0"/>
+              <a:rPr lang="it-IT"/>
               <a:t>Secondo livello</a:t>
             </a:r>
           </a:p>
           <a:p>
             <a:pPr lvl="2"/>
             <a:r>
-              <a:rPr lang="it-IT" smtClean="0"/>
+              <a:rPr lang="it-IT"/>
               <a:t>Terzo livello</a:t>
             </a:r>
           </a:p>
           <a:p>
             <a:pPr lvl="3"/>
             <a:r>
-              <a:rPr lang="it-IT" smtClean="0"/>
+              <a:rPr lang="it-IT"/>
               <a:t>Quarto livello</a:t>
             </a:r>
           </a:p>
           <a:p>
             <a:pPr lvl="4"/>
             <a:r>
-              <a:rPr lang="it-IT" smtClean="0"/>
+              <a:rPr lang="it-IT"/>
               <a:t>Quinto livello</a:t>
             </a:r>
             <a:endParaRPr lang="en-US" dirty="0"/>
@@ -2116,7 +2116,7 @@
           <a:p>
             <a:fld id="{52B3FE35-3F84-4E3C-B8D2-EA463851FCA1}" type="datetimeFigureOut">
               <a:rPr lang="it-IT" smtClean="0"/>
-              <a:t>15/06/2018</a:t>
+              <a:t>18/06/2018</a:t>
             </a:fld>
             <a:endParaRPr lang="it-IT"/>
           </a:p>
@@ -2210,7 +2210,7 @@
           <a:lstStyle/>
           <a:p>
             <a:r>
-              <a:rPr lang="it-IT" smtClean="0"/>
+              <a:rPr lang="it-IT"/>
               <a:t>Fare clic per modificare lo stile del titolo</a:t>
             </a:r>
             <a:endParaRPr lang="en-US" dirty="0"/>
@@ -2234,7 +2234,7 @@
           <a:p>
             <a:fld id="{52B3FE35-3F84-4E3C-B8D2-EA463851FCA1}" type="datetimeFigureOut">
               <a:rPr lang="it-IT" smtClean="0"/>
-              <a:t>15/06/2018</a:t>
+              <a:t>18/06/2018</a:t>
             </a:fld>
             <a:endParaRPr lang="it-IT"/>
           </a:p>
@@ -2329,7 +2329,7 @@
           <a:p>
             <a:fld id="{52B3FE35-3F84-4E3C-B8D2-EA463851FCA1}" type="datetimeFigureOut">
               <a:rPr lang="it-IT" smtClean="0"/>
-              <a:t>15/06/2018</a:t>
+              <a:t>18/06/2018</a:t>
             </a:fld>
             <a:endParaRPr lang="it-IT"/>
           </a:p>
@@ -2479,7 +2479,7 @@
           </a:lstStyle>
           <a:p>
             <a:r>
-              <a:rPr lang="it-IT" smtClean="0"/>
+              <a:rPr lang="it-IT"/>
               <a:t>Fare clic per modificare lo stile del titolo</a:t>
             </a:r>
             <a:endParaRPr lang="en-US" dirty="0"/>
@@ -2536,35 +2536,35 @@
           <a:p>
             <a:pPr lvl="0"/>
             <a:r>
-              <a:rPr lang="it-IT" smtClean="0"/>
+              <a:rPr lang="it-IT"/>
               <a:t>Fare clic per modificare stili del testo dello schema</a:t>
             </a:r>
           </a:p>
           <a:p>
             <a:pPr lvl="1"/>
             <a:r>
-              <a:rPr lang="it-IT" smtClean="0"/>
+              <a:rPr lang="it-IT"/>
               <a:t>Secondo livello</a:t>
             </a:r>
           </a:p>
           <a:p>
             <a:pPr lvl="2"/>
             <a:r>
-              <a:rPr lang="it-IT" smtClean="0"/>
+              <a:rPr lang="it-IT"/>
               <a:t>Terzo livello</a:t>
             </a:r>
           </a:p>
           <a:p>
             <a:pPr lvl="3"/>
             <a:r>
-              <a:rPr lang="it-IT" smtClean="0"/>
+              <a:rPr lang="it-IT"/>
               <a:t>Quarto livello</a:t>
             </a:r>
           </a:p>
           <a:p>
             <a:pPr lvl="4"/>
             <a:r>
-              <a:rPr lang="it-IT" smtClean="0"/>
+              <a:rPr lang="it-IT"/>
               <a:t>Quinto livello</a:t>
             </a:r>
             <a:endParaRPr lang="en-US" dirty="0"/>
@@ -2639,7 +2639,7 @@
           <a:p>
             <a:pPr lvl="0"/>
             <a:r>
-              <a:rPr lang="it-IT" smtClean="0"/>
+              <a:rPr lang="it-IT"/>
               <a:t>Fare clic per modificare stili del testo dello schema</a:t>
             </a:r>
           </a:p>
@@ -2675,7 +2675,7 @@
           <a:p>
             <a:fld id="{52B3FE35-3F84-4E3C-B8D2-EA463851FCA1}" type="datetimeFigureOut">
               <a:rPr lang="it-IT" smtClean="0"/>
-              <a:t>15/06/2018</a:t>
+              <a:t>18/06/2018</a:t>
             </a:fld>
             <a:endParaRPr lang="it-IT"/>
           </a:p>
@@ -2885,7 +2885,7 @@
           </a:lstStyle>
           <a:p>
             <a:r>
-              <a:rPr lang="it-IT" smtClean="0"/>
+              <a:rPr lang="it-IT"/>
               <a:t>Fare clic per modificare lo stile del titolo</a:t>
             </a:r>
             <a:endParaRPr lang="en-US" dirty="0"/>
@@ -2952,7 +2952,7 @@
           </a:lstStyle>
           <a:p>
             <a:r>
-              <a:rPr lang="it-IT" smtClean="0"/>
+              <a:rPr lang="it-IT"/>
               <a:t>Fare clic sull'icona per inserire un'immagine</a:t>
             </a:r>
             <a:endParaRPr lang="en-US" dirty="0"/>
@@ -3027,7 +3027,7 @@
           <a:p>
             <a:pPr lvl="0"/>
             <a:r>
-              <a:rPr lang="it-IT" smtClean="0"/>
+              <a:rPr lang="it-IT"/>
               <a:t>Fare clic per modificare stili del testo dello schema</a:t>
             </a:r>
           </a:p>
@@ -3063,7 +3063,7 @@
           <a:p>
             <a:fld id="{52B3FE35-3F84-4E3C-B8D2-EA463851FCA1}" type="datetimeFigureOut">
               <a:rPr lang="it-IT" smtClean="0"/>
-              <a:t>15/06/2018</a:t>
+              <a:t>18/06/2018</a:t>
             </a:fld>
             <a:endParaRPr lang="it-IT"/>
           </a:p>
@@ -3239,7 +3239,7 @@
           <a:lstStyle/>
           <a:p>
             <a:r>
-              <a:rPr lang="it-IT" smtClean="0"/>
+              <a:rPr lang="it-IT"/>
               <a:t>Fare clic per modificare lo stile del titolo</a:t>
             </a:r>
             <a:endParaRPr lang="en-US" dirty="0"/>
@@ -3273,35 +3273,35 @@
           <a:p>
             <a:pPr lvl="0"/>
             <a:r>
-              <a:rPr lang="it-IT" smtClean="0"/>
+              <a:rPr lang="it-IT"/>
               <a:t>Fare clic per modificare stili del testo dello schema</a:t>
             </a:r>
           </a:p>
           <a:p>
             <a:pPr lvl="1"/>
             <a:r>
-              <a:rPr lang="it-IT" smtClean="0"/>
+              <a:rPr lang="it-IT"/>
               <a:t>Secondo livello</a:t>
             </a:r>
           </a:p>
           <a:p>
             <a:pPr lvl="2"/>
             <a:r>
-              <a:rPr lang="it-IT" smtClean="0"/>
+              <a:rPr lang="it-IT"/>
               <a:t>Terzo livello</a:t>
             </a:r>
           </a:p>
           <a:p>
             <a:pPr lvl="3"/>
             <a:r>
-              <a:rPr lang="it-IT" smtClean="0"/>
+              <a:rPr lang="it-IT"/>
               <a:t>Quarto livello</a:t>
             </a:r>
           </a:p>
           <a:p>
             <a:pPr lvl="4"/>
             <a:r>
-              <a:rPr lang="it-IT" smtClean="0"/>
+              <a:rPr lang="it-IT"/>
               <a:t>Quinto livello</a:t>
             </a:r>
             <a:endParaRPr lang="en-US" dirty="0"/>
@@ -3341,7 +3341,7 @@
           <a:p>
             <a:fld id="{52B3FE35-3F84-4E3C-B8D2-EA463851FCA1}" type="datetimeFigureOut">
               <a:rPr lang="it-IT" smtClean="0"/>
-              <a:t>15/06/2018</a:t>
+              <a:t>18/06/2018</a:t>
             </a:fld>
             <a:endParaRPr lang="it-IT"/>
           </a:p>
@@ -3869,17 +3869,16 @@
           <a:lstStyle/>
           <a:p>
             <a:r>
-              <a:rPr lang="it-IT" dirty="0" smtClean="0"/>
+              <a:rPr lang="it-IT" dirty="0"/>
               <a:t>Distributore</a:t>
             </a:r>
             <a:br>
-              <a:rPr lang="it-IT" dirty="0" smtClean="0"/>
+              <a:rPr lang="it-IT" dirty="0"/>
             </a:br>
             <a:r>
-              <a:rPr lang="it-IT" dirty="0" smtClean="0"/>
+              <a:rPr lang="it-IT" dirty="0"/>
               <a:t>automatico</a:t>
             </a:r>
-            <a:endParaRPr lang="it-IT" dirty="0"/>
           </a:p>
         </p:txBody>
       </p:sp>
@@ -3899,16 +3898,15 @@
           <a:lstStyle/>
           <a:p>
             <a:r>
-              <a:rPr lang="it-IT" dirty="0" smtClean="0"/>
-              <a:t>Progetto L-18, corso Ingegneria del software </a:t>
-            </a:r>
-          </a:p>
-          <a:p>
-            <a:r>
-              <a:rPr lang="it-IT" dirty="0" smtClean="0"/>
+              <a:rPr lang="it-IT" dirty="0"/>
+              <a:t>Progetto L-18, corso di Ingegneria del software </a:t>
+            </a:r>
+          </a:p>
+          <a:p>
+            <a:r>
+              <a:rPr lang="it-IT" dirty="0"/>
               <a:t>A.A. 2017/2018</a:t>
             </a:r>
-            <a:endParaRPr lang="it-IT" dirty="0"/>
           </a:p>
         </p:txBody>
       </p:sp>
@@ -3922,13 +3920,6 @@
   <p:clrMapOvr>
     <a:masterClrMapping/>
   </p:clrMapOvr>
-  <p:timing>
-    <p:tnLst>
-      <p:par>
-        <p:cTn id="1" dur="indefinite" restart="never" nodeType="tmRoot"/>
-      </p:par>
-    </p:tnLst>
-  </p:timing>
 </p:sld>
 </file>
 
@@ -3965,39 +3956,47 @@
           <a:lstStyle/>
           <a:p>
             <a:r>
-              <a:rPr lang="it-IT" dirty="0" smtClean="0"/>
+              <a:rPr lang="it-IT" dirty="0"/>
               <a:t>Componenti e ruolo</a:t>
             </a:r>
+          </a:p>
+        </p:txBody>
+      </p:sp>
+      <p:sp>
+        <p:nvSpPr>
+          <p:cNvPr id="3" name="Segnaposto contenuto 2"/>
+          <p:cNvSpPr>
+            <a:spLocks noGrp="1"/>
+          </p:cNvSpPr>
+          <p:nvPr>
+            <p:ph idx="1"/>
+          </p:nvPr>
+        </p:nvSpPr>
+        <p:spPr/>
+        <p:txBody>
+          <a:bodyPr/>
+          <a:lstStyle/>
+          <a:p>
+            <a:r>
+              <a:rPr lang="it-IT" dirty="0"/>
+              <a:t>Capo progetto e coordinatore: </a:t>
+            </a:r>
+            <a:r>
+              <a:rPr lang="it-IT" dirty="0">
+                <a:hlinkClick r:id="rId2"/>
+              </a:rPr>
+              <a:t>Simone Andreini</a:t>
+            </a:r>
             <a:endParaRPr lang="it-IT" dirty="0"/>
           </a:p>
-        </p:txBody>
-      </p:sp>
-      <p:sp>
-        <p:nvSpPr>
-          <p:cNvPr id="3" name="Segnaposto contenuto 2"/>
-          <p:cNvSpPr>
-            <a:spLocks noGrp="1"/>
-          </p:cNvSpPr>
-          <p:nvPr>
-            <p:ph idx="1"/>
-          </p:nvPr>
-        </p:nvSpPr>
-        <p:spPr/>
-        <p:txBody>
-          <a:bodyPr/>
-          <a:lstStyle/>
-          <a:p>
-            <a:r>
-              <a:rPr lang="it-IT" smtClean="0"/>
-              <a:t>Capo progetto </a:t>
-            </a:r>
-            <a:r>
-              <a:rPr lang="it-IT" dirty="0" smtClean="0"/>
-              <a:t>e coordinatore:</a:t>
+          <a:p>
+            <a:r>
+              <a:rPr lang="it-IT" dirty="0" err="1"/>
+              <a:t>Testing</a:t>
             </a:r>
             <a:r>
               <a:rPr lang="it-IT" dirty="0"/>
-              <a:t> </a:t>
+              <a:t> e convalida: </a:t>
             </a:r>
             <a:r>
               <a:rPr lang="it-IT" dirty="0">
@@ -4015,39 +4014,8 @@
           </a:p>
           <a:p>
             <a:r>
-              <a:rPr lang="it-IT" dirty="0" err="1" smtClean="0"/>
-              <a:t>Testing</a:t>
-            </a:r>
-            <a:r>
-              <a:rPr lang="it-IT" dirty="0" smtClean="0"/>
-              <a:t> e convalida:</a:t>
-            </a:r>
-            <a:r>
               <a:rPr lang="it-IT" dirty="0"/>
-              <a:t> </a:t>
-            </a:r>
-            <a:r>
-              <a:rPr lang="it-IT" dirty="0">
-                <a:hlinkClick r:id="rId2"/>
-              </a:rPr>
-              <a:t>Simone </a:t>
-            </a:r>
-            <a:r>
-              <a:rPr lang="it-IT" dirty="0" err="1">
-                <a:hlinkClick r:id="rId2"/>
-              </a:rPr>
-              <a:t>Andreini</a:t>
-            </a:r>
-            <a:endParaRPr lang="it-IT" dirty="0"/>
-          </a:p>
-          <a:p>
-            <a:r>
-              <a:rPr lang="it-IT" dirty="0" smtClean="0"/>
-              <a:t>Documentazione del progetto:</a:t>
-            </a:r>
-            <a:r>
-              <a:rPr lang="it-IT" dirty="0"/>
-              <a:t> </a:t>
+              <a:t>Documentazione del progetto: </a:t>
             </a:r>
             <a:r>
               <a:rPr lang="it-IT" dirty="0" err="1">
@@ -4071,12 +4039,8 @@
           </a:p>
           <a:p>
             <a:r>
-              <a:rPr lang="it-IT" dirty="0" smtClean="0"/>
-              <a:t>Documentazione del codice:</a:t>
-            </a:r>
-            <a:r>
               <a:rPr lang="it-IT" dirty="0"/>
-              <a:t> </a:t>
+              <a:t>Documentazione del codice: </a:t>
             </a:r>
             <a:r>
               <a:rPr lang="it-IT" dirty="0">
@@ -4088,12 +4052,8 @@
           </a:p>
           <a:p>
             <a:r>
-              <a:rPr lang="it-IT" dirty="0" smtClean="0"/>
-              <a:t>Qualità del codice:</a:t>
-            </a:r>
-            <a:r>
               <a:rPr lang="it-IT" dirty="0"/>
-              <a:t> </a:t>
+              <a:t>Qualità del codice: </a:t>
             </a:r>
             <a:r>
               <a:rPr lang="it-IT" dirty="0">
@@ -4105,37 +4065,28 @@
           </a:p>
           <a:p>
             <a:r>
-              <a:rPr lang="it-IT" dirty="0" smtClean="0"/>
-              <a:t>Realizzazione dell’interfaccia:</a:t>
-            </a:r>
-            <a:r>
               <a:rPr lang="it-IT" dirty="0"/>
-              <a:t> </a:t>
-            </a:r>
-            <a:r>
-              <a:rPr lang="it-IT" dirty="0" err="1" smtClean="0">
+              <a:t>Realizzazione dell’interfaccia: </a:t>
+            </a:r>
+            <a:r>
+              <a:rPr lang="it-IT" u="sng" dirty="0">
                 <a:hlinkClick r:id="rId6"/>
               </a:rPr>
-              <a:t>Massimliano</a:t>
-            </a:r>
-            <a:r>
-              <a:rPr lang="it-IT" dirty="0" smtClean="0">
+              <a:t>Massimiliano</a:t>
+            </a:r>
+            <a:r>
+              <a:rPr lang="it-IT" dirty="0">
                 <a:hlinkClick r:id="rId6"/>
               </a:rPr>
               <a:t> Rapetti</a:t>
             </a:r>
-            <a:endParaRPr lang="it-IT" dirty="0" smtClean="0"/>
+            <a:endParaRPr lang="it-IT" dirty="0"/>
           </a:p>
           <a:p>
             <a:r>
               <a:rPr lang="it-IT" dirty="0"/>
-              <a:t>Analisi dei requisiti</a:t>
-            </a:r>
-            <a:r>
-              <a:rPr lang="it-IT" dirty="0" smtClean="0"/>
-              <a:t>: Tutti</a:t>
-            </a:r>
-            <a:endParaRPr lang="it-IT" dirty="0"/>
+              <a:t>Analisi dei requisiti: Tutti</a:t>
+            </a:r>
           </a:p>
         </p:txBody>
       </p:sp>
@@ -4149,13 +4100,6 @@
   <p:clrMapOvr>
     <a:masterClrMapping/>
   </p:clrMapOvr>
-  <p:timing>
-    <p:tnLst>
-      <p:par>
-        <p:cTn id="1" dur="indefinite" restart="never" nodeType="tmRoot"/>
-      </p:par>
-    </p:tnLst>
-  </p:timing>
 </p:sld>
 </file>
 
@@ -4192,10 +4136,9 @@
           <a:lstStyle/>
           <a:p>
             <a:r>
-              <a:rPr lang="it-IT" dirty="0" smtClean="0"/>
+              <a:rPr lang="it-IT" dirty="0"/>
               <a:t>Funzionalità ed utilizzo</a:t>
             </a:r>
-            <a:endParaRPr lang="it-IT" dirty="0"/>
           </a:p>
         </p:txBody>
       </p:sp>
@@ -4222,16 +4165,8 @@
           <a:lstStyle/>
           <a:p>
             <a:r>
-              <a:rPr lang="it-IT" dirty="0" smtClean="0"/>
-              <a:t>Erogazione e gestione delle </a:t>
-            </a:r>
-            <a:r>
               <a:rPr lang="it-IT" dirty="0"/>
-              <a:t>bevande con preparato solubile, tramite capsule o </a:t>
-            </a:r>
-            <a:r>
-              <a:rPr lang="it-IT" dirty="0" smtClean="0"/>
-              <a:t>macinato;</a:t>
+              <a:t>Gestione ed erogazione delle bevande tramite preparato solubile, macinato o in capsule;</a:t>
             </a:r>
           </a:p>
           <a:p>
@@ -4239,29 +4174,21 @@
           </a:p>
           <a:p>
             <a:r>
-              <a:rPr lang="it-IT" dirty="0" smtClean="0"/>
-              <a:t>Configurazione </a:t>
-            </a:r>
-            <a:r>
               <a:rPr lang="it-IT" dirty="0"/>
-              <a:t>della miscela dei prodotti e delle regolazioni di temperatura, etc.;</a:t>
-            </a:r>
-          </a:p>
-          <a:p>
-            <a:endParaRPr lang="it-IT" dirty="0" smtClean="0"/>
-          </a:p>
-          <a:p>
-            <a:r>
-              <a:rPr lang="it-IT" dirty="0" smtClean="0"/>
-              <a:t>Monitoraggio </a:t>
-            </a:r>
+              <a:t>Configurazione della miscela dei prodotti e delle regolazioni di temperatura, etc.;</a:t>
+            </a:r>
+          </a:p>
+          <a:p>
+            <a:endParaRPr lang="it-IT" dirty="0"/>
+          </a:p>
+          <a:p>
             <a:r>
               <a:rPr lang="it-IT" dirty="0"/>
-              <a:t>dei livelli dei prodotti e richiesta tramite il sistema remoto di ricarica.</a:t>
-            </a:r>
-          </a:p>
-          <a:p>
-            <a:endParaRPr lang="it-IT" dirty="0" smtClean="0"/>
+              <a:t>Monitoraggio dei livelli dei prodotti e richiesta tramite il sistema remoto di ricarica.</a:t>
+            </a:r>
+          </a:p>
+          <a:p>
+            <a:endParaRPr lang="it-IT" dirty="0"/>
           </a:p>
         </p:txBody>
       </p:sp>
@@ -4275,13 +4202,6 @@
   <p:clrMapOvr>
     <a:masterClrMapping/>
   </p:clrMapOvr>
-  <p:timing>
-    <p:tnLst>
-      <p:par>
-        <p:cTn id="1" dur="indefinite" restart="never" nodeType="tmRoot"/>
-      </p:par>
-    </p:tnLst>
-  </p:timing>
 </p:sld>
 </file>
 
@@ -4318,56 +4238,55 @@
           <a:lstStyle/>
           <a:p>
             <a:r>
-              <a:rPr lang="it-IT" dirty="0" smtClean="0"/>
+              <a:rPr lang="it-IT" dirty="0"/>
               <a:t>Il distributore</a:t>
             </a:r>
+          </a:p>
+        </p:txBody>
+      </p:sp>
+      <p:sp>
+        <p:nvSpPr>
+          <p:cNvPr id="3" name="Segnaposto contenuto 2"/>
+          <p:cNvSpPr>
+            <a:spLocks noGrp="1"/>
+          </p:cNvSpPr>
+          <p:nvPr>
+            <p:ph idx="1"/>
+          </p:nvPr>
+        </p:nvSpPr>
+        <p:spPr/>
+        <p:txBody>
+          <a:bodyPr/>
+          <a:lstStyle/>
+          <a:p>
+            <a:r>
+              <a:rPr lang="it-IT" dirty="0"/>
+              <a:t>È la parte principale del programma</a:t>
+            </a:r>
+          </a:p>
+          <a:p>
             <a:endParaRPr lang="it-IT" dirty="0"/>
           </a:p>
-        </p:txBody>
-      </p:sp>
-      <p:sp>
-        <p:nvSpPr>
-          <p:cNvPr id="3" name="Segnaposto contenuto 2"/>
-          <p:cNvSpPr>
-            <a:spLocks noGrp="1"/>
-          </p:cNvSpPr>
-          <p:nvPr>
-            <p:ph idx="1"/>
-          </p:nvPr>
-        </p:nvSpPr>
-        <p:spPr/>
-        <p:txBody>
-          <a:bodyPr/>
-          <a:lstStyle/>
-          <a:p>
-            <a:r>
-              <a:rPr lang="it-IT" dirty="0" smtClean="0"/>
-              <a:t>È la parte principale del programma</a:t>
-            </a:r>
-          </a:p>
-          <a:p>
-            <a:endParaRPr lang="it-IT" dirty="0" smtClean="0"/>
-          </a:p>
-          <a:p>
-            <a:r>
-              <a:rPr lang="it-IT" dirty="0" smtClean="0"/>
+          <a:p>
+            <a:r>
+              <a:rPr lang="it-IT" dirty="0"/>
               <a:t>Gestisce l’erogazione delle bevande e degli ingredienti</a:t>
             </a:r>
           </a:p>
           <a:p>
-            <a:endParaRPr lang="it-IT" dirty="0" smtClean="0"/>
-          </a:p>
-          <a:p>
-            <a:r>
-              <a:rPr lang="it-IT" dirty="0" smtClean="0"/>
+            <a:endParaRPr lang="it-IT" dirty="0"/>
+          </a:p>
+          <a:p>
+            <a:r>
+              <a:rPr lang="it-IT" dirty="0"/>
               <a:t>Viene utilizzato tramite interfaccia testuale o grafica</a:t>
             </a:r>
           </a:p>
           <a:p>
-            <a:endParaRPr lang="it-IT" dirty="0" smtClean="0"/>
-          </a:p>
-          <a:p>
-            <a:endParaRPr lang="it-IT" dirty="0" smtClean="0"/>
+            <a:endParaRPr lang="it-IT" dirty="0"/>
+          </a:p>
+          <a:p>
+            <a:endParaRPr lang="it-IT" dirty="0"/>
           </a:p>
         </p:txBody>
       </p:sp>
@@ -4381,13 +4300,6 @@
   <p:clrMapOvr>
     <a:masterClrMapping/>
   </p:clrMapOvr>
-  <p:timing>
-    <p:tnLst>
-      <p:par>
-        <p:cTn id="1" dur="indefinite" restart="never" nodeType="tmRoot"/>
-      </p:par>
-    </p:tnLst>
-  </p:timing>
 </p:sld>
 </file>
 
@@ -4424,10 +4336,9 @@
           <a:lstStyle/>
           <a:p>
             <a:r>
-              <a:rPr lang="it-IT" dirty="0" smtClean="0"/>
+              <a:rPr lang="it-IT" dirty="0"/>
               <a:t>Gestione ed analisi dei dati</a:t>
             </a:r>
-            <a:endParaRPr lang="it-IT" dirty="0"/>
           </a:p>
         </p:txBody>
       </p:sp>
@@ -4452,20 +4363,20 @@
             </a:r>
           </a:p>
           <a:p>
-            <a:endParaRPr lang="it-IT" dirty="0" smtClean="0"/>
-          </a:p>
-          <a:p>
-            <a:r>
-              <a:rPr lang="it-IT" dirty="0" smtClean="0"/>
-              <a:t>Gestione delle monete e relativi problemi</a:t>
-            </a:r>
-          </a:p>
-          <a:p>
-            <a:endParaRPr lang="it-IT" dirty="0" smtClean="0"/>
-          </a:p>
-          <a:p>
-            <a:r>
-              <a:rPr lang="it-IT" dirty="0" smtClean="0"/>
+            <a:endParaRPr lang="it-IT" dirty="0"/>
+          </a:p>
+          <a:p>
+            <a:r>
+              <a:rPr lang="it-IT" dirty="0"/>
+              <a:t>Gestione delle monete</a:t>
+            </a:r>
+          </a:p>
+          <a:p>
+            <a:endParaRPr lang="it-IT" dirty="0"/>
+          </a:p>
+          <a:p>
+            <a:r>
+              <a:rPr lang="it-IT" dirty="0"/>
               <a:t>Lettura e scrittura su file</a:t>
             </a:r>
           </a:p>
@@ -4481,13 +4392,6 @@
   <p:clrMapOvr>
     <a:masterClrMapping/>
   </p:clrMapOvr>
-  <p:timing>
-    <p:tnLst>
-      <p:par>
-        <p:cTn id="1" dur="indefinite" restart="never" nodeType="tmRoot"/>
-      </p:par>
-    </p:tnLst>
-  </p:timing>
 </p:sld>
 </file>
 
@@ -4524,63 +4428,68 @@
           <a:lstStyle/>
           <a:p>
             <a:r>
-              <a:rPr lang="it-IT" dirty="0" smtClean="0"/>
-              <a:t>Comunicazione </a:t>
-            </a:r>
-            <a:r>
-              <a:rPr lang="it-IT" dirty="0" err="1" smtClean="0"/>
-              <a:t>client-server</a:t>
-            </a:r>
+              <a:rPr lang="it-IT" dirty="0"/>
+              <a:t>Interfaccia del distributore</a:t>
+            </a:r>
+          </a:p>
+        </p:txBody>
+      </p:sp>
+      <p:sp>
+        <p:nvSpPr>
+          <p:cNvPr id="3" name="Segnaposto contenuto 2"/>
+          <p:cNvSpPr>
+            <a:spLocks noGrp="1"/>
+          </p:cNvSpPr>
+          <p:nvPr>
+            <p:ph idx="1"/>
+          </p:nvPr>
+        </p:nvSpPr>
+        <p:spPr/>
+        <p:txBody>
+          <a:bodyPr/>
+          <a:lstStyle/>
+          <a:p>
+            <a:r>
+              <a:rPr lang="it-IT" dirty="0"/>
+              <a:t>Interazione con l’utente:</a:t>
+            </a:r>
+          </a:p>
+          <a:p>
             <a:endParaRPr lang="it-IT" dirty="0"/>
           </a:p>
-        </p:txBody>
-      </p:sp>
-      <p:sp>
-        <p:nvSpPr>
-          <p:cNvPr id="3" name="Segnaposto contenuto 2"/>
-          <p:cNvSpPr>
-            <a:spLocks noGrp="1"/>
-          </p:cNvSpPr>
-          <p:nvPr>
-            <p:ph idx="1"/>
-          </p:nvPr>
-        </p:nvSpPr>
-        <p:spPr/>
-        <p:txBody>
-          <a:bodyPr/>
-          <a:lstStyle/>
-          <a:p>
-            <a:r>
-              <a:rPr lang="it-IT" dirty="0" smtClean="0"/>
-              <a:t>Funzionalità del server</a:t>
-            </a:r>
-          </a:p>
-          <a:p>
+          <a:p>
+            <a:pPr lvl="1"/>
+            <a:r>
+              <a:rPr lang="it-IT" dirty="0"/>
+              <a:t>Selezione delle bevande</a:t>
+            </a:r>
+          </a:p>
+          <a:p>
+            <a:pPr lvl="1"/>
             <a:endParaRPr lang="it-IT" dirty="0"/>
           </a:p>
           <a:p>
-            <a:r>
-              <a:rPr lang="it-IT" dirty="0" smtClean="0"/>
-              <a:t>Gestione di più client</a:t>
-            </a:r>
-          </a:p>
-          <a:p>
+            <a:pPr lvl="1"/>
+            <a:r>
+              <a:rPr lang="it-IT" dirty="0"/>
+              <a:t>Inserimento della chiavetta</a:t>
+            </a:r>
+          </a:p>
+          <a:p>
+            <a:pPr lvl="1"/>
             <a:endParaRPr lang="it-IT" dirty="0"/>
           </a:p>
           <a:p>
-            <a:r>
-              <a:rPr lang="it-IT" dirty="0" smtClean="0"/>
-              <a:t>Invio e ricezione dei dati</a:t>
+            <a:pPr lvl="1"/>
+            <a:r>
+              <a:rPr lang="it-IT" dirty="0"/>
+              <a:t>Visualizzazione del credito e selezione dello zucchero</a:t>
             </a:r>
           </a:p>
           <a:p>
             <a:endParaRPr lang="it-IT" dirty="0"/>
           </a:p>
           <a:p>
-            <a:r>
-              <a:rPr lang="it-IT" dirty="0" smtClean="0"/>
-              <a:t>Modifica dei file di testo</a:t>
-            </a:r>
             <a:endParaRPr lang="it-IT" dirty="0"/>
           </a:p>
         </p:txBody>
@@ -4588,20 +4497,13 @@
     </p:spTree>
     <p:extLst>
       <p:ext uri="{BB962C8B-B14F-4D97-AF65-F5344CB8AC3E}">
-        <p14:creationId xmlns:p14="http://schemas.microsoft.com/office/powerpoint/2010/main" val="1251445603"/>
+        <p14:creationId xmlns:p14="http://schemas.microsoft.com/office/powerpoint/2010/main" val="12231826"/>
       </p:ext>
     </p:extLst>
   </p:cSld>
   <p:clrMapOvr>
     <a:masterClrMapping/>
   </p:clrMapOvr>
-  <p:timing>
-    <p:tnLst>
-      <p:par>
-        <p:cTn id="1" dur="indefinite" restart="never" nodeType="tmRoot"/>
-      </p:par>
-    </p:tnLst>
-  </p:timing>
 </p:sld>
 </file>
 
@@ -4638,8 +4540,12 @@
           <a:lstStyle/>
           <a:p>
             <a:r>
-              <a:rPr lang="it-IT" dirty="0" smtClean="0"/>
-              <a:t>Interfaccia server</a:t>
+              <a:rPr lang="it-IT" dirty="0"/>
+              <a:t>Comunicazione </a:t>
+            </a:r>
+            <a:r>
+              <a:rPr lang="it-IT" dirty="0" err="1"/>
+              <a:t>client-server</a:t>
             </a:r>
             <a:endParaRPr lang="it-IT" dirty="0"/>
           </a:p>
@@ -4661,48 +4567,49 @@
           <a:lstStyle/>
           <a:p>
             <a:r>
-              <a:rPr lang="it-IT" dirty="0" smtClean="0"/>
-              <a:t>Visualizzazione e modifica del menù e quantità rimanenti</a:t>
-            </a:r>
-          </a:p>
-          <a:p>
-            <a:endParaRPr lang="it-IT" dirty="0" smtClean="0"/>
-          </a:p>
-          <a:p>
-            <a:r>
-              <a:rPr lang="it-IT" dirty="0" smtClean="0"/>
-              <a:t>Analisi dei dati statistici</a:t>
-            </a:r>
-          </a:p>
-          <a:p>
-            <a:endParaRPr lang="it-IT" dirty="0" smtClean="0"/>
-          </a:p>
-          <a:p>
-            <a:r>
-              <a:rPr lang="it-IT" dirty="0" smtClean="0"/>
-              <a:t>Gestione della ricarica del distributore</a:t>
-            </a:r>
+              <a:rPr lang="it-IT" dirty="0"/>
+              <a:t>Funzionalità del server</a:t>
+            </a:r>
+          </a:p>
+          <a:p>
             <a:endParaRPr lang="it-IT" dirty="0"/>
+          </a:p>
+          <a:p>
+            <a:r>
+              <a:rPr lang="it-IT" dirty="0"/>
+              <a:t>Gestione di più client</a:t>
+            </a:r>
+          </a:p>
+          <a:p>
+            <a:endParaRPr lang="it-IT" dirty="0"/>
+          </a:p>
+          <a:p>
+            <a:r>
+              <a:rPr lang="it-IT" dirty="0"/>
+              <a:t>Invio e ricezione dei dati</a:t>
+            </a:r>
+          </a:p>
+          <a:p>
+            <a:endParaRPr lang="it-IT" dirty="0"/>
+          </a:p>
+          <a:p>
+            <a:r>
+              <a:rPr lang="it-IT" dirty="0"/>
+              <a:t>Modifica dei file di testo</a:t>
+            </a:r>
           </a:p>
         </p:txBody>
       </p:sp>
     </p:spTree>
     <p:extLst>
       <p:ext uri="{BB962C8B-B14F-4D97-AF65-F5344CB8AC3E}">
-        <p14:creationId xmlns:p14="http://schemas.microsoft.com/office/powerpoint/2010/main" val="2457767398"/>
+        <p14:creationId xmlns:p14="http://schemas.microsoft.com/office/powerpoint/2010/main" val="1251445603"/>
       </p:ext>
     </p:extLst>
   </p:cSld>
   <p:clrMapOvr>
     <a:masterClrMapping/>
   </p:clrMapOvr>
-  <p:timing>
-    <p:tnLst>
-      <p:par>
-        <p:cTn id="1" dur="indefinite" restart="never" nodeType="tmRoot"/>
-      </p:par>
-    </p:tnLst>
-  </p:timing>
 </p:sld>
 </file>
 
@@ -4739,95 +4646,62 @@
           <a:lstStyle/>
           <a:p>
             <a:r>
-              <a:rPr lang="it-IT" dirty="0" smtClean="0"/>
-              <a:t>Interfaccia del distributore</a:t>
-            </a:r>
+              <a:rPr lang="it-IT" dirty="0"/>
+              <a:t>Interfaccia server</a:t>
+            </a:r>
+          </a:p>
+        </p:txBody>
+      </p:sp>
+      <p:sp>
+        <p:nvSpPr>
+          <p:cNvPr id="3" name="Segnaposto contenuto 2"/>
+          <p:cNvSpPr>
+            <a:spLocks noGrp="1"/>
+          </p:cNvSpPr>
+          <p:nvPr>
+            <p:ph idx="1"/>
+          </p:nvPr>
+        </p:nvSpPr>
+        <p:spPr/>
+        <p:txBody>
+          <a:bodyPr/>
+          <a:lstStyle/>
+          <a:p>
+            <a:r>
+              <a:rPr lang="it-IT" dirty="0"/>
+              <a:t>Visualizzazione e modifica del menù e quantità rimanenti</a:t>
+            </a:r>
+          </a:p>
+          <a:p>
             <a:endParaRPr lang="it-IT" dirty="0"/>
           </a:p>
-        </p:txBody>
-      </p:sp>
-      <p:sp>
-        <p:nvSpPr>
-          <p:cNvPr id="3" name="Segnaposto contenuto 2"/>
-          <p:cNvSpPr>
-            <a:spLocks noGrp="1"/>
-          </p:cNvSpPr>
-          <p:nvPr>
-            <p:ph idx="1"/>
-          </p:nvPr>
-        </p:nvSpPr>
-        <p:spPr/>
-        <p:txBody>
-          <a:bodyPr/>
-          <a:lstStyle/>
-          <a:p>
-            <a:r>
-              <a:rPr lang="it-IT" dirty="0" smtClean="0"/>
-              <a:t>Interazione con l’utente</a:t>
-            </a:r>
-            <a:r>
-              <a:rPr lang="it-IT" dirty="0" smtClean="0"/>
-              <a:t>:</a:t>
-            </a:r>
-          </a:p>
-          <a:p>
-            <a:endParaRPr lang="it-IT" dirty="0" smtClean="0"/>
-          </a:p>
-          <a:p>
-            <a:pPr lvl="1"/>
-            <a:r>
-              <a:rPr lang="it-IT" dirty="0" smtClean="0"/>
-              <a:t>Selezione delle bevande</a:t>
-            </a:r>
+          <a:p>
+            <a:r>
+              <a:rPr lang="it-IT" dirty="0"/>
+              <a:t>Analisi dei dati statistici</a:t>
+            </a:r>
+          </a:p>
+          <a:p>
             <a:endParaRPr lang="it-IT" dirty="0"/>
           </a:p>
           <a:p>
-            <a:pPr lvl="1"/>
-            <a:endParaRPr lang="it-IT" dirty="0" smtClean="0"/>
-          </a:p>
-          <a:p>
-            <a:pPr lvl="1"/>
-            <a:r>
-              <a:rPr lang="it-IT" dirty="0" smtClean="0"/>
-              <a:t>Inserimento della chiavetta</a:t>
-            </a:r>
-          </a:p>
-          <a:p>
-            <a:pPr lvl="1"/>
-            <a:endParaRPr lang="it-IT" dirty="0"/>
-          </a:p>
-          <a:p>
-            <a:pPr lvl="1"/>
-            <a:r>
-              <a:rPr lang="it-IT" dirty="0" smtClean="0"/>
-              <a:t>Visualizzazione del credito e selezione dello zucchero</a:t>
-            </a:r>
-          </a:p>
-          <a:p>
-            <a:endParaRPr lang="it-IT" dirty="0"/>
-          </a:p>
-          <a:p>
-            <a:endParaRPr lang="it-IT" dirty="0"/>
+            <a:r>
+              <a:rPr lang="it-IT" dirty="0"/>
+              <a:t>Gestione della ricarica del distributore</a:t>
+            </a:r>
           </a:p>
         </p:txBody>
       </p:sp>
     </p:spTree>
     <p:extLst>
       <p:ext uri="{BB962C8B-B14F-4D97-AF65-F5344CB8AC3E}">
-        <p14:creationId xmlns:p14="http://schemas.microsoft.com/office/powerpoint/2010/main" val="12231826"/>
+        <p14:creationId xmlns:p14="http://schemas.microsoft.com/office/powerpoint/2010/main" val="2457767398"/>
       </p:ext>
     </p:extLst>
   </p:cSld>
   <p:clrMapOvr>
     <a:masterClrMapping/>
   </p:clrMapOvr>
-  <p:timing>
-    <p:tnLst>
-      <p:par>
-        <p:cTn id="1" dur="indefinite" restart="never" nodeType="tmRoot"/>
-      </p:par>
-    </p:tnLst>
-  </p:timing>
 </p:sld>
 </file>
 

--- a/MiscellaneousFile/presentazione_progetto.pptx
+++ b/MiscellaneousFile/presentazione_progetto.pptx
@@ -10,9 +10,13 @@
     <p:sldId id="258" r:id="rId4"/>
     <p:sldId id="259" r:id="rId5"/>
     <p:sldId id="260" r:id="rId6"/>
-    <p:sldId id="263" r:id="rId7"/>
-    <p:sldId id="261" r:id="rId8"/>
-    <p:sldId id="262" r:id="rId9"/>
+    <p:sldId id="267" r:id="rId7"/>
+    <p:sldId id="263" r:id="rId8"/>
+    <p:sldId id="265" r:id="rId9"/>
+    <p:sldId id="261" r:id="rId10"/>
+    <p:sldId id="266" r:id="rId11"/>
+    <p:sldId id="262" r:id="rId12"/>
+    <p:sldId id="264" r:id="rId13"/>
   </p:sldIdLst>
   <p:sldSz cx="12192000" cy="6858000"/>
   <p:notesSz cx="6858000" cy="9144000"/>
@@ -288,7 +292,7 @@
           <a:p>
             <a:fld id="{52B3FE35-3F84-4E3C-B8D2-EA463851FCA1}" type="datetimeFigureOut">
               <a:rPr lang="it-IT" smtClean="0"/>
-              <a:t>18/06/2018</a:t>
+              <a:t>25/06/2018</a:t>
             </a:fld>
             <a:endParaRPr lang="it-IT"/>
           </a:p>
@@ -618,7 +622,7 @@
           <a:p>
             <a:fld id="{52B3FE35-3F84-4E3C-B8D2-EA463851FCA1}" type="datetimeFigureOut">
               <a:rPr lang="it-IT" smtClean="0"/>
-              <a:t>18/06/2018</a:t>
+              <a:t>25/06/2018</a:t>
             </a:fld>
             <a:endParaRPr lang="it-IT"/>
           </a:p>
@@ -798,7 +802,7 @@
           <a:p>
             <a:fld id="{52B3FE35-3F84-4E3C-B8D2-EA463851FCA1}" type="datetimeFigureOut">
               <a:rPr lang="it-IT" smtClean="0"/>
-              <a:t>18/06/2018</a:t>
+              <a:t>25/06/2018</a:t>
             </a:fld>
             <a:endParaRPr lang="it-IT"/>
           </a:p>
@@ -968,7 +972,7 @@
           <a:p>
             <a:fld id="{52B3FE35-3F84-4E3C-B8D2-EA463851FCA1}" type="datetimeFigureOut">
               <a:rPr lang="it-IT" smtClean="0"/>
-              <a:t>18/06/2018</a:t>
+              <a:t>25/06/2018</a:t>
             </a:fld>
             <a:endParaRPr lang="it-IT"/>
           </a:p>
@@ -1245,7 +1249,7 @@
           <a:p>
             <a:fld id="{52B3FE35-3F84-4E3C-B8D2-EA463851FCA1}" type="datetimeFigureOut">
               <a:rPr lang="it-IT" smtClean="0"/>
-              <a:t>18/06/2018</a:t>
+              <a:t>25/06/2018</a:t>
             </a:fld>
             <a:endParaRPr lang="it-IT"/>
           </a:p>
@@ -1639,7 +1643,7 @@
           <a:p>
             <a:fld id="{52B3FE35-3F84-4E3C-B8D2-EA463851FCA1}" type="datetimeFigureOut">
               <a:rPr lang="it-IT" smtClean="0"/>
-              <a:t>18/06/2018</a:t>
+              <a:t>25/06/2018</a:t>
             </a:fld>
             <a:endParaRPr lang="it-IT"/>
           </a:p>
@@ -2116,7 +2120,7 @@
           <a:p>
             <a:fld id="{52B3FE35-3F84-4E3C-B8D2-EA463851FCA1}" type="datetimeFigureOut">
               <a:rPr lang="it-IT" smtClean="0"/>
-              <a:t>18/06/2018</a:t>
+              <a:t>25/06/2018</a:t>
             </a:fld>
             <a:endParaRPr lang="it-IT"/>
           </a:p>
@@ -2234,7 +2238,7 @@
           <a:p>
             <a:fld id="{52B3FE35-3F84-4E3C-B8D2-EA463851FCA1}" type="datetimeFigureOut">
               <a:rPr lang="it-IT" smtClean="0"/>
-              <a:t>18/06/2018</a:t>
+              <a:t>25/06/2018</a:t>
             </a:fld>
             <a:endParaRPr lang="it-IT"/>
           </a:p>
@@ -2329,7 +2333,7 @@
           <a:p>
             <a:fld id="{52B3FE35-3F84-4E3C-B8D2-EA463851FCA1}" type="datetimeFigureOut">
               <a:rPr lang="it-IT" smtClean="0"/>
-              <a:t>18/06/2018</a:t>
+              <a:t>25/06/2018</a:t>
             </a:fld>
             <a:endParaRPr lang="it-IT"/>
           </a:p>
@@ -2675,7 +2679,7 @@
           <a:p>
             <a:fld id="{52B3FE35-3F84-4E3C-B8D2-EA463851FCA1}" type="datetimeFigureOut">
               <a:rPr lang="it-IT" smtClean="0"/>
-              <a:t>18/06/2018</a:t>
+              <a:t>25/06/2018</a:t>
             </a:fld>
             <a:endParaRPr lang="it-IT"/>
           </a:p>
@@ -3063,7 +3067,7 @@
           <a:p>
             <a:fld id="{52B3FE35-3F84-4E3C-B8D2-EA463851FCA1}" type="datetimeFigureOut">
               <a:rPr lang="it-IT" smtClean="0"/>
-              <a:t>18/06/2018</a:t>
+              <a:t>25/06/2018</a:t>
             </a:fld>
             <a:endParaRPr lang="it-IT"/>
           </a:p>
@@ -3341,7 +3345,7 @@
           <a:p>
             <a:fld id="{52B3FE35-3F84-4E3C-B8D2-EA463851FCA1}" type="datetimeFigureOut">
               <a:rPr lang="it-IT" smtClean="0"/>
-              <a:t>18/06/2018</a:t>
+              <a:t>25/06/2018</a:t>
             </a:fld>
             <a:endParaRPr lang="it-IT"/>
           </a:p>
@@ -3923,6 +3927,217 @@
 </p:sld>
 </file>
 
+<file path=ppt/slides/slide10.xml><?xml version="1.0" encoding="utf-8"?>
+<p:sld xmlns:a="http://schemas.openxmlformats.org/drawingml/2006/main" xmlns:r="http://schemas.openxmlformats.org/officeDocument/2006/relationships" xmlns:p="http://schemas.openxmlformats.org/presentationml/2006/main">
+  <p:cSld>
+    <p:spTree>
+      <p:nvGrpSpPr>
+        <p:cNvPr id="1" name=""/>
+        <p:cNvGrpSpPr/>
+        <p:nvPr/>
+      </p:nvGrpSpPr>
+      <p:grpSpPr>
+        <a:xfrm>
+          <a:off x="0" y="0"/>
+          <a:ext cx="0" cy="0"/>
+          <a:chOff x="0" y="0"/>
+          <a:chExt cx="0" cy="0"/>
+        </a:xfrm>
+      </p:grpSpPr>
+      <p:pic>
+        <p:nvPicPr>
+          <p:cNvPr id="2" name="Immagine 1"/>
+          <p:cNvPicPr>
+            <a:picLocks noChangeAspect="1"/>
+          </p:cNvPicPr>
+          <p:nvPr/>
+        </p:nvPicPr>
+        <p:blipFill>
+          <a:blip r:embed="rId2" cstate="print">
+            <a:extLst>
+              <a:ext uri="{28A0092B-C50C-407E-A947-70E740481C1C}">
+                <a14:useLocalDpi xmlns:a14="http://schemas.microsoft.com/office/drawing/2010/main" val="0"/>
+              </a:ext>
+            </a:extLst>
+          </a:blip>
+          <a:stretch>
+            <a:fillRect/>
+          </a:stretch>
+        </p:blipFill>
+        <p:spPr>
+          <a:xfrm>
+            <a:off x="953035" y="244699"/>
+            <a:ext cx="11037195" cy="6400800"/>
+          </a:xfrm>
+          <a:prstGeom prst="rect">
+            <a:avLst/>
+          </a:prstGeom>
+        </p:spPr>
+      </p:pic>
+    </p:spTree>
+    <p:extLst>
+      <p:ext uri="{BB962C8B-B14F-4D97-AF65-F5344CB8AC3E}">
+        <p14:creationId xmlns:p14="http://schemas.microsoft.com/office/powerpoint/2010/main" val="1375758473"/>
+      </p:ext>
+    </p:extLst>
+  </p:cSld>
+  <p:clrMapOvr>
+    <a:masterClrMapping/>
+  </p:clrMapOvr>
+</p:sld>
+</file>
+
+<file path=ppt/slides/slide11.xml><?xml version="1.0" encoding="utf-8"?>
+<p:sld xmlns:a="http://schemas.openxmlformats.org/drawingml/2006/main" xmlns:r="http://schemas.openxmlformats.org/officeDocument/2006/relationships" xmlns:p="http://schemas.openxmlformats.org/presentationml/2006/main">
+  <p:cSld>
+    <p:spTree>
+      <p:nvGrpSpPr>
+        <p:cNvPr id="1" name=""/>
+        <p:cNvGrpSpPr/>
+        <p:nvPr/>
+      </p:nvGrpSpPr>
+      <p:grpSpPr>
+        <a:xfrm>
+          <a:off x="0" y="0"/>
+          <a:ext cx="0" cy="0"/>
+          <a:chOff x="0" y="0"/>
+          <a:chExt cx="0" cy="0"/>
+        </a:xfrm>
+      </p:grpSpPr>
+      <p:sp>
+        <p:nvSpPr>
+          <p:cNvPr id="2" name="Titolo 1"/>
+          <p:cNvSpPr>
+            <a:spLocks noGrp="1"/>
+          </p:cNvSpPr>
+          <p:nvPr>
+            <p:ph type="title"/>
+          </p:nvPr>
+        </p:nvSpPr>
+        <p:spPr/>
+        <p:txBody>
+          <a:bodyPr/>
+          <a:lstStyle/>
+          <a:p>
+            <a:r>
+              <a:rPr lang="it-IT" dirty="0"/>
+              <a:t>Interfaccia server</a:t>
+            </a:r>
+          </a:p>
+        </p:txBody>
+      </p:sp>
+      <p:sp>
+        <p:nvSpPr>
+          <p:cNvPr id="3" name="Segnaposto contenuto 2"/>
+          <p:cNvSpPr>
+            <a:spLocks noGrp="1"/>
+          </p:cNvSpPr>
+          <p:nvPr>
+            <p:ph idx="1"/>
+          </p:nvPr>
+        </p:nvSpPr>
+        <p:spPr/>
+        <p:txBody>
+          <a:bodyPr/>
+          <a:lstStyle/>
+          <a:p>
+            <a:r>
+              <a:rPr lang="it-IT" dirty="0"/>
+              <a:t>Visualizzazione e modifica del menù e quantità rimanenti</a:t>
+            </a:r>
+          </a:p>
+          <a:p>
+            <a:endParaRPr lang="it-IT" dirty="0"/>
+          </a:p>
+          <a:p>
+            <a:r>
+              <a:rPr lang="it-IT" dirty="0"/>
+              <a:t>Analisi dei dati statistici</a:t>
+            </a:r>
+          </a:p>
+          <a:p>
+            <a:endParaRPr lang="it-IT" dirty="0"/>
+          </a:p>
+          <a:p>
+            <a:r>
+              <a:rPr lang="it-IT" dirty="0"/>
+              <a:t>Gestione della ricarica del distributore</a:t>
+            </a:r>
+          </a:p>
+        </p:txBody>
+      </p:sp>
+    </p:spTree>
+    <p:extLst>
+      <p:ext uri="{BB962C8B-B14F-4D97-AF65-F5344CB8AC3E}">
+        <p14:creationId xmlns:p14="http://schemas.microsoft.com/office/powerpoint/2010/main" val="2457767398"/>
+      </p:ext>
+    </p:extLst>
+  </p:cSld>
+  <p:clrMapOvr>
+    <a:masterClrMapping/>
+  </p:clrMapOvr>
+</p:sld>
+</file>
+
+<file path=ppt/slides/slide12.xml><?xml version="1.0" encoding="utf-8"?>
+<p:sld xmlns:a="http://schemas.openxmlformats.org/drawingml/2006/main" xmlns:r="http://schemas.openxmlformats.org/officeDocument/2006/relationships" xmlns:p="http://schemas.openxmlformats.org/presentationml/2006/main">
+  <p:cSld>
+    <p:spTree>
+      <p:nvGrpSpPr>
+        <p:cNvPr id="1" name=""/>
+        <p:cNvGrpSpPr/>
+        <p:nvPr/>
+      </p:nvGrpSpPr>
+      <p:grpSpPr>
+        <a:xfrm>
+          <a:off x="0" y="0"/>
+          <a:ext cx="0" cy="0"/>
+          <a:chOff x="0" y="0"/>
+          <a:chExt cx="0" cy="0"/>
+        </a:xfrm>
+      </p:grpSpPr>
+      <p:pic>
+        <p:nvPicPr>
+          <p:cNvPr id="4" name="Segnaposto contenuto 3"/>
+          <p:cNvPicPr>
+            <a:picLocks noGrp="1" noChangeAspect="1"/>
+          </p:cNvPicPr>
+          <p:nvPr>
+            <p:ph idx="4294967295"/>
+          </p:nvPr>
+        </p:nvPicPr>
+        <p:blipFill>
+          <a:blip r:embed="rId2" cstate="print">
+            <a:extLst>
+              <a:ext uri="{28A0092B-C50C-407E-A947-70E740481C1C}">
+                <a14:useLocalDpi xmlns:a14="http://schemas.microsoft.com/office/drawing/2010/main" val="0"/>
+              </a:ext>
+            </a:extLst>
+          </a:blip>
+          <a:stretch>
+            <a:fillRect/>
+          </a:stretch>
+        </p:blipFill>
+        <p:spPr>
+          <a:xfrm>
+            <a:off x="1289453" y="320675"/>
+            <a:ext cx="10245725" cy="6211888"/>
+          </a:xfrm>
+        </p:spPr>
+      </p:pic>
+    </p:spTree>
+    <p:extLst>
+      <p:ext uri="{BB962C8B-B14F-4D97-AF65-F5344CB8AC3E}">
+        <p14:creationId xmlns:p14="http://schemas.microsoft.com/office/powerpoint/2010/main" val="846856355"/>
+      </p:ext>
+    </p:extLst>
+  </p:cSld>
+  <p:clrMapOvr>
+    <a:masterClrMapping/>
+  </p:clrMapOvr>
+</p:sld>
+</file>
+
 <file path=ppt/slides/slide2.xml><?xml version="1.0" encoding="utf-8"?>
 <p:sld xmlns:a="http://schemas.openxmlformats.org/drawingml/2006/main" xmlns:r="http://schemas.openxmlformats.org/officeDocument/2006/relationships" xmlns:p="http://schemas.openxmlformats.org/presentationml/2006/main">
   <p:cSld>
@@ -4412,92 +4627,40 @@
           <a:chExt cx="0" cy="0"/>
         </a:xfrm>
       </p:grpSpPr>
-      <p:sp>
-        <p:nvSpPr>
-          <p:cNvPr id="2" name="Titolo 1"/>
-          <p:cNvSpPr>
-            <a:spLocks noGrp="1"/>
-          </p:cNvSpPr>
-          <p:nvPr>
-            <p:ph type="title"/>
-          </p:nvPr>
-        </p:nvSpPr>
-        <p:spPr/>
-        <p:txBody>
-          <a:bodyPr/>
-          <a:lstStyle/>
-          <a:p>
-            <a:r>
-              <a:rPr lang="it-IT" dirty="0"/>
-              <a:t>Interfaccia del distributore</a:t>
-            </a:r>
-          </a:p>
-        </p:txBody>
-      </p:sp>
-      <p:sp>
-        <p:nvSpPr>
-          <p:cNvPr id="3" name="Segnaposto contenuto 2"/>
-          <p:cNvSpPr>
-            <a:spLocks noGrp="1"/>
-          </p:cNvSpPr>
-          <p:nvPr>
-            <p:ph idx="1"/>
-          </p:nvPr>
-        </p:nvSpPr>
-        <p:spPr/>
-        <p:txBody>
-          <a:bodyPr/>
-          <a:lstStyle/>
-          <a:p>
-            <a:r>
-              <a:rPr lang="it-IT" dirty="0"/>
-              <a:t>Interazione con l’utente:</a:t>
-            </a:r>
-          </a:p>
-          <a:p>
-            <a:endParaRPr lang="it-IT" dirty="0"/>
-          </a:p>
-          <a:p>
-            <a:pPr lvl="1"/>
-            <a:r>
-              <a:rPr lang="it-IT" dirty="0"/>
-              <a:t>Selezione delle bevande</a:t>
-            </a:r>
-          </a:p>
-          <a:p>
-            <a:pPr lvl="1"/>
-            <a:endParaRPr lang="it-IT" dirty="0"/>
-          </a:p>
-          <a:p>
-            <a:pPr lvl="1"/>
-            <a:r>
-              <a:rPr lang="it-IT" dirty="0"/>
-              <a:t>Inserimento della chiavetta</a:t>
-            </a:r>
-          </a:p>
-          <a:p>
-            <a:pPr lvl="1"/>
-            <a:endParaRPr lang="it-IT" dirty="0"/>
-          </a:p>
-          <a:p>
-            <a:pPr lvl="1"/>
-            <a:r>
-              <a:rPr lang="it-IT" dirty="0"/>
-              <a:t>Visualizzazione del credito e selezione dello zucchero</a:t>
-            </a:r>
-          </a:p>
-          <a:p>
-            <a:endParaRPr lang="it-IT" dirty="0"/>
-          </a:p>
-          <a:p>
-            <a:endParaRPr lang="it-IT" dirty="0"/>
-          </a:p>
-        </p:txBody>
-      </p:sp>
+      <p:pic>
+        <p:nvPicPr>
+          <p:cNvPr id="2" name="Immagine 1"/>
+          <p:cNvPicPr>
+            <a:picLocks noChangeAspect="1"/>
+          </p:cNvPicPr>
+          <p:nvPr/>
+        </p:nvPicPr>
+        <p:blipFill>
+          <a:blip r:embed="rId2">
+            <a:extLst>
+              <a:ext uri="{28A0092B-C50C-407E-A947-70E740481C1C}">
+                <a14:useLocalDpi xmlns:a14="http://schemas.microsoft.com/office/drawing/2010/main" val="0"/>
+              </a:ext>
+            </a:extLst>
+          </a:blip>
+          <a:stretch>
+            <a:fillRect/>
+          </a:stretch>
+        </p:blipFill>
+        <p:spPr>
+          <a:xfrm>
+            <a:off x="1017432" y="425004"/>
+            <a:ext cx="10805374" cy="6065948"/>
+          </a:xfrm>
+          <a:prstGeom prst="rect">
+            <a:avLst/>
+          </a:prstGeom>
+        </p:spPr>
+      </p:pic>
     </p:spTree>
     <p:extLst>
       <p:ext uri="{BB962C8B-B14F-4D97-AF65-F5344CB8AC3E}">
-        <p14:creationId xmlns:p14="http://schemas.microsoft.com/office/powerpoint/2010/main" val="12231826"/>
+        <p14:creationId xmlns:p14="http://schemas.microsoft.com/office/powerpoint/2010/main" val="1369683166"/>
       </p:ext>
     </p:extLst>
   </p:cSld>
@@ -4541,69 +4704,75 @@
           <a:p>
             <a:r>
               <a:rPr lang="it-IT" dirty="0"/>
-              <a:t>Comunicazione </a:t>
-            </a:r>
-            <a:r>
-              <a:rPr lang="it-IT" dirty="0" err="1"/>
-              <a:t>client-server</a:t>
-            </a:r>
+              <a:t>Interfaccia del distributore</a:t>
+            </a:r>
+          </a:p>
+        </p:txBody>
+      </p:sp>
+      <p:sp>
+        <p:nvSpPr>
+          <p:cNvPr id="3" name="Segnaposto contenuto 2"/>
+          <p:cNvSpPr>
+            <a:spLocks noGrp="1"/>
+          </p:cNvSpPr>
+          <p:nvPr>
+            <p:ph idx="1"/>
+          </p:nvPr>
+        </p:nvSpPr>
+        <p:spPr/>
+        <p:txBody>
+          <a:bodyPr/>
+          <a:lstStyle/>
+          <a:p>
+            <a:r>
+              <a:rPr lang="it-IT" dirty="0"/>
+              <a:t>Interazione con l’utente:</a:t>
+            </a:r>
+          </a:p>
+          <a:p>
             <a:endParaRPr lang="it-IT" dirty="0"/>
           </a:p>
-        </p:txBody>
-      </p:sp>
-      <p:sp>
-        <p:nvSpPr>
-          <p:cNvPr id="3" name="Segnaposto contenuto 2"/>
-          <p:cNvSpPr>
-            <a:spLocks noGrp="1"/>
-          </p:cNvSpPr>
-          <p:nvPr>
-            <p:ph idx="1"/>
-          </p:nvPr>
-        </p:nvSpPr>
-        <p:spPr/>
-        <p:txBody>
-          <a:bodyPr/>
-          <a:lstStyle/>
-          <a:p>
+          <a:p>
+            <a:pPr lvl="1"/>
             <a:r>
               <a:rPr lang="it-IT" dirty="0"/>
-              <a:t>Funzionalità del server</a:t>
-            </a:r>
-          </a:p>
-          <a:p>
+              <a:t>Selezione delle bevande</a:t>
+            </a:r>
+          </a:p>
+          <a:p>
+            <a:pPr lvl="1"/>
             <a:endParaRPr lang="it-IT" dirty="0"/>
           </a:p>
           <a:p>
+            <a:pPr lvl="1"/>
             <a:r>
               <a:rPr lang="it-IT" dirty="0"/>
-              <a:t>Gestione di più client</a:t>
-            </a:r>
-          </a:p>
-          <a:p>
+              <a:t>Inserimento della chiavetta</a:t>
+            </a:r>
+          </a:p>
+          <a:p>
+            <a:pPr lvl="1"/>
             <a:endParaRPr lang="it-IT" dirty="0"/>
           </a:p>
           <a:p>
+            <a:pPr lvl="1"/>
             <a:r>
               <a:rPr lang="it-IT" dirty="0"/>
-              <a:t>Invio e ricezione dei dati</a:t>
+              <a:t>Visualizzazione del credito e selezione dello zucchero</a:t>
             </a:r>
           </a:p>
           <a:p>
             <a:endParaRPr lang="it-IT" dirty="0"/>
           </a:p>
           <a:p>
-            <a:r>
-              <a:rPr lang="it-IT" dirty="0"/>
-              <a:t>Modifica dei file di testo</a:t>
-            </a:r>
+            <a:endParaRPr lang="it-IT" dirty="0"/>
           </a:p>
         </p:txBody>
       </p:sp>
     </p:spTree>
     <p:extLst>
       <p:ext uri="{BB962C8B-B14F-4D97-AF65-F5344CB8AC3E}">
-        <p14:creationId xmlns:p14="http://schemas.microsoft.com/office/powerpoint/2010/main" val="1251445603"/>
+        <p14:creationId xmlns:p14="http://schemas.microsoft.com/office/powerpoint/2010/main" val="12231826"/>
       </p:ext>
     </p:extLst>
   </p:cSld>
@@ -4630,72 +4799,146 @@
           <a:chExt cx="0" cy="0"/>
         </a:xfrm>
       </p:grpSpPr>
-      <p:sp>
-        <p:nvSpPr>
-          <p:cNvPr id="2" name="Titolo 1"/>
-          <p:cNvSpPr>
-            <a:spLocks noGrp="1"/>
-          </p:cNvSpPr>
-          <p:nvPr>
-            <p:ph type="title"/>
-          </p:nvPr>
-        </p:nvSpPr>
-        <p:spPr/>
-        <p:txBody>
-          <a:bodyPr/>
-          <a:lstStyle/>
-          <a:p>
-            <a:r>
-              <a:rPr lang="it-IT" dirty="0"/>
-              <a:t>Interfaccia server</a:t>
-            </a:r>
-          </a:p>
-        </p:txBody>
-      </p:sp>
-      <p:sp>
-        <p:nvSpPr>
-          <p:cNvPr id="3" name="Segnaposto contenuto 2"/>
-          <p:cNvSpPr>
-            <a:spLocks noGrp="1"/>
-          </p:cNvSpPr>
-          <p:nvPr>
-            <p:ph idx="1"/>
-          </p:nvPr>
-        </p:nvSpPr>
-        <p:spPr/>
-        <p:txBody>
-          <a:bodyPr/>
-          <a:lstStyle/>
-          <a:p>
-            <a:r>
-              <a:rPr lang="it-IT" dirty="0"/>
-              <a:t>Visualizzazione e modifica del menù e quantità rimanenti</a:t>
-            </a:r>
-          </a:p>
-          <a:p>
-            <a:endParaRPr lang="it-IT" dirty="0"/>
-          </a:p>
-          <a:p>
-            <a:r>
-              <a:rPr lang="it-IT" dirty="0"/>
-              <a:t>Analisi dei dati statistici</a:t>
-            </a:r>
-          </a:p>
-          <a:p>
-            <a:endParaRPr lang="it-IT" dirty="0"/>
-          </a:p>
-          <a:p>
-            <a:r>
-              <a:rPr lang="it-IT" dirty="0"/>
-              <a:t>Gestione della ricarica del distributore</a:t>
-            </a:r>
-          </a:p>
-        </p:txBody>
-      </p:sp>
+      <p:pic>
+        <p:nvPicPr>
+          <p:cNvPr id="2" name="Immagine 1"/>
+          <p:cNvPicPr>
+            <a:picLocks noChangeAspect="1"/>
+          </p:cNvPicPr>
+          <p:nvPr/>
+        </p:nvPicPr>
+        <p:blipFill>
+          <a:blip r:embed="rId2">
+            <a:extLst>
+              <a:ext uri="{28A0092B-C50C-407E-A947-70E740481C1C}">
+                <a14:useLocalDpi xmlns:a14="http://schemas.microsoft.com/office/drawing/2010/main" val="0"/>
+              </a:ext>
+            </a:extLst>
+          </a:blip>
+          <a:stretch>
+            <a:fillRect/>
+          </a:stretch>
+        </p:blipFill>
+        <p:spPr>
+          <a:xfrm>
+            <a:off x="1365161" y="318519"/>
+            <a:ext cx="10058400" cy="6120917"/>
+          </a:xfrm>
+          <a:prstGeom prst="rect">
+            <a:avLst/>
+          </a:prstGeom>
+        </p:spPr>
+      </p:pic>
     </p:spTree>
     <p:extLst>
       <p:ext uri="{BB962C8B-B14F-4D97-AF65-F5344CB8AC3E}">
-        <p14:creationId xmlns:p14="http://schemas.microsoft.com/office/powerpoint/2010/main" val="2457767398"/>
+        <p14:creationId xmlns:p14="http://schemas.microsoft.com/office/powerpoint/2010/main" val="4025217800"/>
+      </p:ext>
+    </p:extLst>
+  </p:cSld>
+  <p:clrMapOvr>
+    <a:masterClrMapping/>
+  </p:clrMapOvr>
+</p:sld>
+</file>
+
+<file path=ppt/slides/slide9.xml><?xml version="1.0" encoding="utf-8"?>
+<p:sld xmlns:a="http://schemas.openxmlformats.org/drawingml/2006/main" xmlns:r="http://schemas.openxmlformats.org/officeDocument/2006/relationships" xmlns:p="http://schemas.openxmlformats.org/presentationml/2006/main">
+  <p:cSld>
+    <p:spTree>
+      <p:nvGrpSpPr>
+        <p:cNvPr id="1" name=""/>
+        <p:cNvGrpSpPr/>
+        <p:nvPr/>
+      </p:nvGrpSpPr>
+      <p:grpSpPr>
+        <a:xfrm>
+          <a:off x="0" y="0"/>
+          <a:ext cx="0" cy="0"/>
+          <a:chOff x="0" y="0"/>
+          <a:chExt cx="0" cy="0"/>
+        </a:xfrm>
+      </p:grpSpPr>
+      <p:sp>
+        <p:nvSpPr>
+          <p:cNvPr id="2" name="Titolo 1"/>
+          <p:cNvSpPr>
+            <a:spLocks noGrp="1"/>
+          </p:cNvSpPr>
+          <p:nvPr>
+            <p:ph type="title"/>
+          </p:nvPr>
+        </p:nvSpPr>
+        <p:spPr/>
+        <p:txBody>
+          <a:bodyPr/>
+          <a:lstStyle/>
+          <a:p>
+            <a:r>
+              <a:rPr lang="it-IT" dirty="0"/>
+              <a:t>Comunicazione </a:t>
+            </a:r>
+            <a:r>
+              <a:rPr lang="it-IT" dirty="0" err="1"/>
+              <a:t>client-server</a:t>
+            </a:r>
+            <a:endParaRPr lang="it-IT" dirty="0"/>
+          </a:p>
+        </p:txBody>
+      </p:sp>
+      <p:sp>
+        <p:nvSpPr>
+          <p:cNvPr id="3" name="Segnaposto contenuto 2"/>
+          <p:cNvSpPr>
+            <a:spLocks noGrp="1"/>
+          </p:cNvSpPr>
+          <p:nvPr>
+            <p:ph idx="1"/>
+          </p:nvPr>
+        </p:nvSpPr>
+        <p:spPr/>
+        <p:txBody>
+          <a:bodyPr/>
+          <a:lstStyle/>
+          <a:p>
+            <a:r>
+              <a:rPr lang="it-IT" dirty="0"/>
+              <a:t>Funzionalità del server</a:t>
+            </a:r>
+          </a:p>
+          <a:p>
+            <a:endParaRPr lang="it-IT" dirty="0"/>
+          </a:p>
+          <a:p>
+            <a:r>
+              <a:rPr lang="it-IT" dirty="0"/>
+              <a:t>Gestione di più client</a:t>
+            </a:r>
+          </a:p>
+          <a:p>
+            <a:endParaRPr lang="it-IT" dirty="0"/>
+          </a:p>
+          <a:p>
+            <a:r>
+              <a:rPr lang="it-IT" dirty="0"/>
+              <a:t>Invio e ricezione dei dati</a:t>
+            </a:r>
+          </a:p>
+          <a:p>
+            <a:endParaRPr lang="it-IT" dirty="0"/>
+          </a:p>
+          <a:p>
+            <a:r>
+              <a:rPr lang="it-IT" dirty="0"/>
+              <a:t>Modifica dei file di testo</a:t>
+            </a:r>
+          </a:p>
+        </p:txBody>
+      </p:sp>
+    </p:spTree>
+    <p:extLst>
+      <p:ext uri="{BB962C8B-B14F-4D97-AF65-F5344CB8AC3E}">
+        <p14:creationId xmlns:p14="http://schemas.microsoft.com/office/powerpoint/2010/main" val="1251445603"/>
       </p:ext>
     </p:extLst>
   </p:cSld>

--- a/MiscellaneousFile/presentazione_progetto.pptx
+++ b/MiscellaneousFile/presentazione_progetto.pptx
@@ -9,8 +9,8 @@
     <p:sldId id="257" r:id="rId3"/>
     <p:sldId id="258" r:id="rId4"/>
     <p:sldId id="259" r:id="rId5"/>
-    <p:sldId id="260" r:id="rId6"/>
-    <p:sldId id="267" r:id="rId7"/>
+    <p:sldId id="267" r:id="rId6"/>
+    <p:sldId id="260" r:id="rId7"/>
     <p:sldId id="263" r:id="rId8"/>
     <p:sldId id="265" r:id="rId9"/>
     <p:sldId id="261" r:id="rId10"/>
@@ -4535,98 +4535,6 @@
           <a:chExt cx="0" cy="0"/>
         </a:xfrm>
       </p:grpSpPr>
-      <p:sp>
-        <p:nvSpPr>
-          <p:cNvPr id="2" name="Titolo 1"/>
-          <p:cNvSpPr>
-            <a:spLocks noGrp="1"/>
-          </p:cNvSpPr>
-          <p:nvPr>
-            <p:ph type="title"/>
-          </p:nvPr>
-        </p:nvSpPr>
-        <p:spPr/>
-        <p:txBody>
-          <a:bodyPr/>
-          <a:lstStyle/>
-          <a:p>
-            <a:r>
-              <a:rPr lang="it-IT" dirty="0"/>
-              <a:t>Gestione ed analisi dei dati</a:t>
-            </a:r>
-          </a:p>
-        </p:txBody>
-      </p:sp>
-      <p:sp>
-        <p:nvSpPr>
-          <p:cNvPr id="3" name="Segnaposto contenuto 2"/>
-          <p:cNvSpPr>
-            <a:spLocks noGrp="1"/>
-          </p:cNvSpPr>
-          <p:nvPr>
-            <p:ph idx="1"/>
-          </p:nvPr>
-        </p:nvSpPr>
-        <p:spPr/>
-        <p:txBody>
-          <a:bodyPr/>
-          <a:lstStyle/>
-          <a:p>
-            <a:r>
-              <a:rPr lang="it-IT" dirty="0"/>
-              <a:t>Gestione del menù</a:t>
-            </a:r>
-          </a:p>
-          <a:p>
-            <a:endParaRPr lang="it-IT" dirty="0"/>
-          </a:p>
-          <a:p>
-            <a:r>
-              <a:rPr lang="it-IT" dirty="0"/>
-              <a:t>Gestione delle monete</a:t>
-            </a:r>
-          </a:p>
-          <a:p>
-            <a:endParaRPr lang="it-IT" dirty="0"/>
-          </a:p>
-          <a:p>
-            <a:r>
-              <a:rPr lang="it-IT" dirty="0"/>
-              <a:t>Lettura e scrittura su file</a:t>
-            </a:r>
-          </a:p>
-        </p:txBody>
-      </p:sp>
-    </p:spTree>
-    <p:extLst>
-      <p:ext uri="{BB962C8B-B14F-4D97-AF65-F5344CB8AC3E}">
-        <p14:creationId xmlns:p14="http://schemas.microsoft.com/office/powerpoint/2010/main" val="3970282437"/>
-      </p:ext>
-    </p:extLst>
-  </p:cSld>
-  <p:clrMapOvr>
-    <a:masterClrMapping/>
-  </p:clrMapOvr>
-</p:sld>
-</file>
-
-<file path=ppt/slides/slide6.xml><?xml version="1.0" encoding="utf-8"?>
-<p:sld xmlns:a="http://schemas.openxmlformats.org/drawingml/2006/main" xmlns:r="http://schemas.openxmlformats.org/officeDocument/2006/relationships" xmlns:p="http://schemas.openxmlformats.org/presentationml/2006/main">
-  <p:cSld>
-    <p:spTree>
-      <p:nvGrpSpPr>
-        <p:cNvPr id="1" name=""/>
-        <p:cNvGrpSpPr/>
-        <p:nvPr/>
-      </p:nvGrpSpPr>
-      <p:grpSpPr>
-        <a:xfrm>
-          <a:off x="0" y="0"/>
-          <a:ext cx="0" cy="0"/>
-          <a:chOff x="0" y="0"/>
-          <a:chExt cx="0" cy="0"/>
-        </a:xfrm>
-      </p:grpSpPr>
       <p:pic>
         <p:nvPicPr>
           <p:cNvPr id="2" name="Immagine 1"/>
@@ -4661,6 +4569,98 @@
     <p:extLst>
       <p:ext uri="{BB962C8B-B14F-4D97-AF65-F5344CB8AC3E}">
         <p14:creationId xmlns:p14="http://schemas.microsoft.com/office/powerpoint/2010/main" val="1369683166"/>
+      </p:ext>
+    </p:extLst>
+  </p:cSld>
+  <p:clrMapOvr>
+    <a:masterClrMapping/>
+  </p:clrMapOvr>
+</p:sld>
+</file>
+
+<file path=ppt/slides/slide6.xml><?xml version="1.0" encoding="utf-8"?>
+<p:sld xmlns:a="http://schemas.openxmlformats.org/drawingml/2006/main" xmlns:r="http://schemas.openxmlformats.org/officeDocument/2006/relationships" xmlns:p="http://schemas.openxmlformats.org/presentationml/2006/main">
+  <p:cSld>
+    <p:spTree>
+      <p:nvGrpSpPr>
+        <p:cNvPr id="1" name=""/>
+        <p:cNvGrpSpPr/>
+        <p:nvPr/>
+      </p:nvGrpSpPr>
+      <p:grpSpPr>
+        <a:xfrm>
+          <a:off x="0" y="0"/>
+          <a:ext cx="0" cy="0"/>
+          <a:chOff x="0" y="0"/>
+          <a:chExt cx="0" cy="0"/>
+        </a:xfrm>
+      </p:grpSpPr>
+      <p:sp>
+        <p:nvSpPr>
+          <p:cNvPr id="2" name="Titolo 1"/>
+          <p:cNvSpPr>
+            <a:spLocks noGrp="1"/>
+          </p:cNvSpPr>
+          <p:nvPr>
+            <p:ph type="title"/>
+          </p:nvPr>
+        </p:nvSpPr>
+        <p:spPr/>
+        <p:txBody>
+          <a:bodyPr/>
+          <a:lstStyle/>
+          <a:p>
+            <a:r>
+              <a:rPr lang="it-IT" dirty="0"/>
+              <a:t>Gestione ed analisi dei dati</a:t>
+            </a:r>
+          </a:p>
+        </p:txBody>
+      </p:sp>
+      <p:sp>
+        <p:nvSpPr>
+          <p:cNvPr id="3" name="Segnaposto contenuto 2"/>
+          <p:cNvSpPr>
+            <a:spLocks noGrp="1"/>
+          </p:cNvSpPr>
+          <p:nvPr>
+            <p:ph idx="1"/>
+          </p:nvPr>
+        </p:nvSpPr>
+        <p:spPr/>
+        <p:txBody>
+          <a:bodyPr/>
+          <a:lstStyle/>
+          <a:p>
+            <a:r>
+              <a:rPr lang="it-IT" dirty="0"/>
+              <a:t>Gestione del menù</a:t>
+            </a:r>
+          </a:p>
+          <a:p>
+            <a:endParaRPr lang="it-IT" dirty="0"/>
+          </a:p>
+          <a:p>
+            <a:r>
+              <a:rPr lang="it-IT" dirty="0"/>
+              <a:t>Gestione delle monete</a:t>
+            </a:r>
+          </a:p>
+          <a:p>
+            <a:endParaRPr lang="it-IT" dirty="0"/>
+          </a:p>
+          <a:p>
+            <a:r>
+              <a:rPr lang="it-IT" dirty="0"/>
+              <a:t>Lettura e scrittura su file</a:t>
+            </a:r>
+          </a:p>
+        </p:txBody>
+      </p:sp>
+    </p:spTree>
+    <p:extLst>
+      <p:ext uri="{BB962C8B-B14F-4D97-AF65-F5344CB8AC3E}">
+        <p14:creationId xmlns:p14="http://schemas.microsoft.com/office/powerpoint/2010/main" val="3970282437"/>
       </p:ext>
     </p:extLst>
   </p:cSld>

--- a/MiscellaneousFile/presentazione_progetto.pptx
+++ b/MiscellaneousFile/presentazione_progetto.pptx
@@ -11,12 +11,13 @@
     <p:sldId id="259" r:id="rId5"/>
     <p:sldId id="267" r:id="rId6"/>
     <p:sldId id="260" r:id="rId7"/>
-    <p:sldId id="263" r:id="rId8"/>
-    <p:sldId id="265" r:id="rId9"/>
-    <p:sldId id="261" r:id="rId10"/>
-    <p:sldId id="266" r:id="rId11"/>
-    <p:sldId id="262" r:id="rId12"/>
-    <p:sldId id="264" r:id="rId13"/>
+    <p:sldId id="268" r:id="rId8"/>
+    <p:sldId id="263" r:id="rId9"/>
+    <p:sldId id="265" r:id="rId10"/>
+    <p:sldId id="261" r:id="rId11"/>
+    <p:sldId id="266" r:id="rId12"/>
+    <p:sldId id="262" r:id="rId13"/>
+    <p:sldId id="264" r:id="rId14"/>
   </p:sldIdLst>
   <p:sldSz cx="12192000" cy="6858000"/>
   <p:notesSz cx="6858000" cy="9144000"/>
@@ -3944,6 +3945,112 @@
           <a:chExt cx="0" cy="0"/>
         </a:xfrm>
       </p:grpSpPr>
+      <p:sp>
+        <p:nvSpPr>
+          <p:cNvPr id="2" name="Titolo 1"/>
+          <p:cNvSpPr>
+            <a:spLocks noGrp="1"/>
+          </p:cNvSpPr>
+          <p:nvPr>
+            <p:ph type="title"/>
+          </p:nvPr>
+        </p:nvSpPr>
+        <p:spPr/>
+        <p:txBody>
+          <a:bodyPr/>
+          <a:lstStyle/>
+          <a:p>
+            <a:r>
+              <a:rPr lang="it-IT" dirty="0"/>
+              <a:t>Comunicazione </a:t>
+            </a:r>
+            <a:r>
+              <a:rPr lang="it-IT" dirty="0" err="1"/>
+              <a:t>client-server</a:t>
+            </a:r>
+            <a:endParaRPr lang="it-IT" dirty="0"/>
+          </a:p>
+        </p:txBody>
+      </p:sp>
+      <p:sp>
+        <p:nvSpPr>
+          <p:cNvPr id="3" name="Segnaposto contenuto 2"/>
+          <p:cNvSpPr>
+            <a:spLocks noGrp="1"/>
+          </p:cNvSpPr>
+          <p:nvPr>
+            <p:ph idx="1"/>
+          </p:nvPr>
+        </p:nvSpPr>
+        <p:spPr/>
+        <p:txBody>
+          <a:bodyPr/>
+          <a:lstStyle/>
+          <a:p>
+            <a:r>
+              <a:rPr lang="it-IT" dirty="0"/>
+              <a:t>Funzionalità del server</a:t>
+            </a:r>
+          </a:p>
+          <a:p>
+            <a:endParaRPr lang="it-IT" dirty="0"/>
+          </a:p>
+          <a:p>
+            <a:r>
+              <a:rPr lang="it-IT" dirty="0"/>
+              <a:t>Gestione di più client</a:t>
+            </a:r>
+          </a:p>
+          <a:p>
+            <a:endParaRPr lang="it-IT" dirty="0"/>
+          </a:p>
+          <a:p>
+            <a:r>
+              <a:rPr lang="it-IT" dirty="0"/>
+              <a:t>Invio e ricezione dei dati</a:t>
+            </a:r>
+          </a:p>
+          <a:p>
+            <a:endParaRPr lang="it-IT" dirty="0"/>
+          </a:p>
+          <a:p>
+            <a:r>
+              <a:rPr lang="it-IT" dirty="0"/>
+              <a:t>Modifica dei file di testo</a:t>
+            </a:r>
+          </a:p>
+        </p:txBody>
+      </p:sp>
+    </p:spTree>
+    <p:extLst>
+      <p:ext uri="{BB962C8B-B14F-4D97-AF65-F5344CB8AC3E}">
+        <p14:creationId xmlns:p14="http://schemas.microsoft.com/office/powerpoint/2010/main" val="1251445603"/>
+      </p:ext>
+    </p:extLst>
+  </p:cSld>
+  <p:clrMapOvr>
+    <a:masterClrMapping/>
+  </p:clrMapOvr>
+</p:sld>
+</file>
+
+<file path=ppt/slides/slide11.xml><?xml version="1.0" encoding="utf-8"?>
+<p:sld xmlns:a="http://schemas.openxmlformats.org/drawingml/2006/main" xmlns:r="http://schemas.openxmlformats.org/officeDocument/2006/relationships" xmlns:p="http://schemas.openxmlformats.org/presentationml/2006/main">
+  <p:cSld>
+    <p:spTree>
+      <p:nvGrpSpPr>
+        <p:cNvPr id="1" name=""/>
+        <p:cNvGrpSpPr/>
+        <p:nvPr/>
+      </p:nvGrpSpPr>
+      <p:grpSpPr>
+        <a:xfrm>
+          <a:off x="0" y="0"/>
+          <a:ext cx="0" cy="0"/>
+          <a:chOff x="0" y="0"/>
+          <a:chExt cx="0" cy="0"/>
+        </a:xfrm>
+      </p:grpSpPr>
       <p:pic>
         <p:nvPicPr>
           <p:cNvPr id="2" name="Immagine 1"/>
@@ -3987,7 +4094,7 @@
 </p:sld>
 </file>
 
-<file path=ppt/slides/slide11.xml><?xml version="1.0" encoding="utf-8"?>
+<file path=ppt/slides/slide12.xml><?xml version="1.0" encoding="utf-8"?>
 <p:sld xmlns:a="http://schemas.openxmlformats.org/drawingml/2006/main" xmlns:r="http://schemas.openxmlformats.org/officeDocument/2006/relationships" xmlns:p="http://schemas.openxmlformats.org/presentationml/2006/main">
   <p:cSld>
     <p:spTree>
@@ -4079,7 +4186,7 @@
 </p:sld>
 </file>
 
-<file path=ppt/slides/slide12.xml><?xml version="1.0" encoding="utf-8"?>
+<file path=ppt/slides/slide13.xml><?xml version="1.0" encoding="utf-8"?>
 <p:sld xmlns:a="http://schemas.openxmlformats.org/drawingml/2006/main" xmlns:r="http://schemas.openxmlformats.org/officeDocument/2006/relationships" xmlns:p="http://schemas.openxmlformats.org/presentationml/2006/main">
   <p:cSld>
     <p:spTree>
@@ -4687,6 +4794,66 @@
           <a:chExt cx="0" cy="0"/>
         </a:xfrm>
       </p:grpSpPr>
+      <p:pic>
+        <p:nvPicPr>
+          <p:cNvPr id="2" name="Immagine 1"/>
+          <p:cNvPicPr>
+            <a:picLocks noChangeAspect="1"/>
+          </p:cNvPicPr>
+          <p:nvPr/>
+        </p:nvPicPr>
+        <p:blipFill>
+          <a:blip r:embed="rId2">
+            <a:extLst>
+              <a:ext uri="{28A0092B-C50C-407E-A947-70E740481C1C}">
+                <a14:useLocalDpi xmlns:a14="http://schemas.microsoft.com/office/drawing/2010/main" val="0"/>
+              </a:ext>
+            </a:extLst>
+          </a:blip>
+          <a:stretch>
+            <a:fillRect/>
+          </a:stretch>
+        </p:blipFill>
+        <p:spPr>
+          <a:xfrm>
+            <a:off x="1146220" y="386366"/>
+            <a:ext cx="10560676" cy="6053071"/>
+          </a:xfrm>
+          <a:prstGeom prst="rect">
+            <a:avLst/>
+          </a:prstGeom>
+        </p:spPr>
+      </p:pic>
+    </p:spTree>
+    <p:extLst>
+      <p:ext uri="{BB962C8B-B14F-4D97-AF65-F5344CB8AC3E}">
+        <p14:creationId xmlns:p14="http://schemas.microsoft.com/office/powerpoint/2010/main" val="3219496766"/>
+      </p:ext>
+    </p:extLst>
+  </p:cSld>
+  <p:clrMapOvr>
+    <a:masterClrMapping/>
+  </p:clrMapOvr>
+</p:sld>
+</file>
+
+<file path=ppt/slides/slide8.xml><?xml version="1.0" encoding="utf-8"?>
+<p:sld xmlns:a="http://schemas.openxmlformats.org/drawingml/2006/main" xmlns:r="http://schemas.openxmlformats.org/officeDocument/2006/relationships" xmlns:p="http://schemas.openxmlformats.org/presentationml/2006/main">
+  <p:cSld>
+    <p:spTree>
+      <p:nvGrpSpPr>
+        <p:cNvPr id="1" name=""/>
+        <p:cNvGrpSpPr/>
+        <p:nvPr/>
+      </p:nvGrpSpPr>
+      <p:grpSpPr>
+        <a:xfrm>
+          <a:off x="0" y="0"/>
+          <a:ext cx="0" cy="0"/>
+          <a:chOff x="0" y="0"/>
+          <a:chExt cx="0" cy="0"/>
+        </a:xfrm>
+      </p:grpSpPr>
       <p:sp>
         <p:nvSpPr>
           <p:cNvPr id="2" name="Titolo 1"/>
@@ -4782,7 +4949,7 @@
 </p:sld>
 </file>
 
-<file path=ppt/slides/slide8.xml><?xml version="1.0" encoding="utf-8"?>
+<file path=ppt/slides/slide9.xml><?xml version="1.0" encoding="utf-8"?>
 <p:sld xmlns:a="http://schemas.openxmlformats.org/drawingml/2006/main" xmlns:r="http://schemas.openxmlformats.org/officeDocument/2006/relationships" xmlns:p="http://schemas.openxmlformats.org/presentationml/2006/main">
   <p:cSld>
     <p:spTree>
@@ -4833,112 +5000,6 @@
     <p:extLst>
       <p:ext uri="{BB962C8B-B14F-4D97-AF65-F5344CB8AC3E}">
         <p14:creationId xmlns:p14="http://schemas.microsoft.com/office/powerpoint/2010/main" val="4025217800"/>
-      </p:ext>
-    </p:extLst>
-  </p:cSld>
-  <p:clrMapOvr>
-    <a:masterClrMapping/>
-  </p:clrMapOvr>
-</p:sld>
-</file>
-
-<file path=ppt/slides/slide9.xml><?xml version="1.0" encoding="utf-8"?>
-<p:sld xmlns:a="http://schemas.openxmlformats.org/drawingml/2006/main" xmlns:r="http://schemas.openxmlformats.org/officeDocument/2006/relationships" xmlns:p="http://schemas.openxmlformats.org/presentationml/2006/main">
-  <p:cSld>
-    <p:spTree>
-      <p:nvGrpSpPr>
-        <p:cNvPr id="1" name=""/>
-        <p:cNvGrpSpPr/>
-        <p:nvPr/>
-      </p:nvGrpSpPr>
-      <p:grpSpPr>
-        <a:xfrm>
-          <a:off x="0" y="0"/>
-          <a:ext cx="0" cy="0"/>
-          <a:chOff x="0" y="0"/>
-          <a:chExt cx="0" cy="0"/>
-        </a:xfrm>
-      </p:grpSpPr>
-      <p:sp>
-        <p:nvSpPr>
-          <p:cNvPr id="2" name="Titolo 1"/>
-          <p:cNvSpPr>
-            <a:spLocks noGrp="1"/>
-          </p:cNvSpPr>
-          <p:nvPr>
-            <p:ph type="title"/>
-          </p:nvPr>
-        </p:nvSpPr>
-        <p:spPr/>
-        <p:txBody>
-          <a:bodyPr/>
-          <a:lstStyle/>
-          <a:p>
-            <a:r>
-              <a:rPr lang="it-IT" dirty="0"/>
-              <a:t>Comunicazione </a:t>
-            </a:r>
-            <a:r>
-              <a:rPr lang="it-IT" dirty="0" err="1"/>
-              <a:t>client-server</a:t>
-            </a:r>
-            <a:endParaRPr lang="it-IT" dirty="0"/>
-          </a:p>
-        </p:txBody>
-      </p:sp>
-      <p:sp>
-        <p:nvSpPr>
-          <p:cNvPr id="3" name="Segnaposto contenuto 2"/>
-          <p:cNvSpPr>
-            <a:spLocks noGrp="1"/>
-          </p:cNvSpPr>
-          <p:nvPr>
-            <p:ph idx="1"/>
-          </p:nvPr>
-        </p:nvSpPr>
-        <p:spPr/>
-        <p:txBody>
-          <a:bodyPr/>
-          <a:lstStyle/>
-          <a:p>
-            <a:r>
-              <a:rPr lang="it-IT" dirty="0"/>
-              <a:t>Funzionalità del server</a:t>
-            </a:r>
-          </a:p>
-          <a:p>
-            <a:endParaRPr lang="it-IT" dirty="0"/>
-          </a:p>
-          <a:p>
-            <a:r>
-              <a:rPr lang="it-IT" dirty="0"/>
-              <a:t>Gestione di più client</a:t>
-            </a:r>
-          </a:p>
-          <a:p>
-            <a:endParaRPr lang="it-IT" dirty="0"/>
-          </a:p>
-          <a:p>
-            <a:r>
-              <a:rPr lang="it-IT" dirty="0"/>
-              <a:t>Invio e ricezione dei dati</a:t>
-            </a:r>
-          </a:p>
-          <a:p>
-            <a:endParaRPr lang="it-IT" dirty="0"/>
-          </a:p>
-          <a:p>
-            <a:r>
-              <a:rPr lang="it-IT" dirty="0"/>
-              <a:t>Modifica dei file di testo</a:t>
-            </a:r>
-          </a:p>
-        </p:txBody>
-      </p:sp>
-    </p:spTree>
-    <p:extLst>
-      <p:ext uri="{BB962C8B-B14F-4D97-AF65-F5344CB8AC3E}">
-        <p14:creationId xmlns:p14="http://schemas.microsoft.com/office/powerpoint/2010/main" val="1251445603"/>
       </p:ext>
     </p:extLst>
   </p:cSld>

--- a/MiscellaneousFile/presentazione_progetto.pptx
+++ b/MiscellaneousFile/presentazione_progetto.pptx
@@ -4796,7 +4796,7 @@
       </p:grpSpPr>
       <p:pic>
         <p:nvPicPr>
-          <p:cNvPr id="2" name="Immagine 1"/>
+          <p:cNvPr id="3" name="Immagine 2"/>
           <p:cNvPicPr>
             <a:picLocks noChangeAspect="1"/>
           </p:cNvPicPr>
@@ -4816,8 +4816,8 @@
         </p:blipFill>
         <p:spPr>
           <a:xfrm>
-            <a:off x="1146220" y="386366"/>
-            <a:ext cx="10560676" cy="6053071"/>
+            <a:off x="1030310" y="321972"/>
+            <a:ext cx="10882648" cy="6194738"/>
           </a:xfrm>
           <a:prstGeom prst="rect">
             <a:avLst/>

--- a/MiscellaneousFile/presentazione_progetto.pptx
+++ b/MiscellaneousFile/presentazione_progetto.pptx
@@ -17,7 +17,8 @@
     <p:sldId id="261" r:id="rId11"/>
     <p:sldId id="266" r:id="rId12"/>
     <p:sldId id="262" r:id="rId13"/>
-    <p:sldId id="264" r:id="rId14"/>
+    <p:sldId id="269" r:id="rId14"/>
+    <p:sldId id="264" r:id="rId15"/>
   </p:sldIdLst>
   <p:sldSz cx="12192000" cy="6858000"/>
   <p:notesSz cx="6858000" cy="9144000"/>
@@ -4205,6 +4206,71 @@
       </p:grpSpPr>
       <p:pic>
         <p:nvPicPr>
+          <p:cNvPr id="5" name="Segnaposto contenuto 4">
+            <a:extLst>
+              <a:ext uri="{FF2B5EF4-FFF2-40B4-BE49-F238E27FC236}">
+                <a16:creationId xmlns:a16="http://schemas.microsoft.com/office/drawing/2014/main" id="{0280BB18-9D30-452B-92EB-7CE94A5F3DFB}"/>
+              </a:ext>
+            </a:extLst>
+          </p:cNvPr>
+          <p:cNvPicPr>
+            <a:picLocks noGrp="1" noChangeAspect="1"/>
+          </p:cNvPicPr>
+          <p:nvPr>
+            <p:ph idx="1"/>
+          </p:nvPr>
+        </p:nvPicPr>
+        <p:blipFill>
+          <a:blip r:embed="rId2">
+            <a:extLst>
+              <a:ext uri="{28A0092B-C50C-407E-A947-70E740481C1C}">
+                <a14:useLocalDpi xmlns:a14="http://schemas.microsoft.com/office/drawing/2010/main" val="0"/>
+              </a:ext>
+            </a:extLst>
+          </a:blip>
+          <a:stretch>
+            <a:fillRect/>
+          </a:stretch>
+        </p:blipFill>
+        <p:spPr>
+          <a:xfrm>
+            <a:off x="1642959" y="190424"/>
+            <a:ext cx="8906082" cy="6477151"/>
+          </a:xfrm>
+        </p:spPr>
+      </p:pic>
+    </p:spTree>
+    <p:extLst>
+      <p:ext uri="{BB962C8B-B14F-4D97-AF65-F5344CB8AC3E}">
+        <p14:creationId xmlns:p14="http://schemas.microsoft.com/office/powerpoint/2010/main" val="744432694"/>
+      </p:ext>
+    </p:extLst>
+  </p:cSld>
+  <p:clrMapOvr>
+    <a:masterClrMapping/>
+  </p:clrMapOvr>
+</p:sld>
+</file>
+
+<file path=ppt/slides/slide14.xml><?xml version="1.0" encoding="utf-8"?>
+<p:sld xmlns:a="http://schemas.openxmlformats.org/drawingml/2006/main" xmlns:r="http://schemas.openxmlformats.org/officeDocument/2006/relationships" xmlns:p="http://schemas.openxmlformats.org/presentationml/2006/main">
+  <p:cSld>
+    <p:spTree>
+      <p:nvGrpSpPr>
+        <p:cNvPr id="1" name=""/>
+        <p:cNvGrpSpPr/>
+        <p:nvPr/>
+      </p:nvGrpSpPr>
+      <p:grpSpPr>
+        <a:xfrm>
+          <a:off x="0" y="0"/>
+          <a:ext cx="0" cy="0"/>
+          <a:chOff x="0" y="0"/>
+          <a:chExt cx="0" cy="0"/>
+        </a:xfrm>
+      </p:grpSpPr>
+      <p:pic>
+        <p:nvPicPr>
           <p:cNvPr id="4" name="Segnaposto contenuto 3"/>
           <p:cNvPicPr>
             <a:picLocks noGrp="1" noChangeAspect="1"/>

--- a/MiscellaneousFile/presentazione_progetto.pptx
+++ b/MiscellaneousFile/presentazione_progetto.pptx
@@ -19,6 +19,9 @@
     <p:sldId id="262" r:id="rId13"/>
     <p:sldId id="269" r:id="rId14"/>
     <p:sldId id="264" r:id="rId15"/>
+    <p:sldId id="270" r:id="rId16"/>
+    <p:sldId id="271" r:id="rId17"/>
+    <p:sldId id="272" r:id="rId18"/>
   </p:sldIdLst>
   <p:sldSz cx="12192000" cy="6858000"/>
   <p:notesSz cx="6858000" cy="9144000"/>
@@ -4311,6 +4314,271 @@
 </p:sld>
 </file>
 
+<file path=ppt/slides/slide15.xml><?xml version="1.0" encoding="utf-8"?>
+<p:sld xmlns:a="http://schemas.openxmlformats.org/drawingml/2006/main" xmlns:r="http://schemas.openxmlformats.org/officeDocument/2006/relationships" xmlns:p="http://schemas.openxmlformats.org/presentationml/2006/main">
+  <p:cSld>
+    <p:spTree>
+      <p:nvGrpSpPr>
+        <p:cNvPr id="1" name=""/>
+        <p:cNvGrpSpPr/>
+        <p:nvPr/>
+      </p:nvGrpSpPr>
+      <p:grpSpPr>
+        <a:xfrm>
+          <a:off x="0" y="0"/>
+          <a:ext cx="0" cy="0"/>
+          <a:chOff x="0" y="0"/>
+          <a:chExt cx="0" cy="0"/>
+        </a:xfrm>
+      </p:grpSpPr>
+      <p:sp>
+        <p:nvSpPr>
+          <p:cNvPr id="2" name="Titolo 1">
+            <a:extLst>
+              <a:ext uri="{FF2B5EF4-FFF2-40B4-BE49-F238E27FC236}">
+                <a16:creationId xmlns:a16="http://schemas.microsoft.com/office/drawing/2014/main" id="{0172D684-20C3-4B37-94B5-EBD90B0015A0}"/>
+              </a:ext>
+            </a:extLst>
+          </p:cNvPr>
+          <p:cNvSpPr>
+            <a:spLocks noGrp="1"/>
+          </p:cNvSpPr>
+          <p:nvPr>
+            <p:ph type="title"/>
+          </p:nvPr>
+        </p:nvSpPr>
+        <p:spPr/>
+        <p:txBody>
+          <a:bodyPr/>
+          <a:lstStyle/>
+          <a:p>
+            <a:r>
+              <a:rPr lang="it-IT" dirty="0"/>
+              <a:t>Alcuni rimandi alla documentazione</a:t>
+            </a:r>
+          </a:p>
+        </p:txBody>
+      </p:sp>
+      <p:pic>
+        <p:nvPicPr>
+          <p:cNvPr id="4" name="Segnaposto contenuto 3">
+            <a:extLst>
+              <a:ext uri="{FF2B5EF4-FFF2-40B4-BE49-F238E27FC236}">
+                <a16:creationId xmlns:a16="http://schemas.microsoft.com/office/drawing/2014/main" id="{A910F250-C88F-4738-9C00-0E57580232B2}"/>
+              </a:ext>
+            </a:extLst>
+          </p:cNvPr>
+          <p:cNvPicPr>
+            <a:picLocks noGrp="1" noChangeAspect="1"/>
+          </p:cNvPicPr>
+          <p:nvPr>
+            <p:ph idx="1"/>
+          </p:nvPr>
+        </p:nvPicPr>
+        <p:blipFill rotWithShape="1">
+          <a:blip r:embed="rId2"/>
+          <a:srcRect l="21968" t="9721" r="20848" b="3611"/>
+          <a:stretch/>
+        </p:blipFill>
+        <p:spPr>
+          <a:xfrm>
+            <a:off x="3255627" y="1670996"/>
+            <a:ext cx="5833146" cy="4972960"/>
+          </a:xfrm>
+          <a:prstGeom prst="rect">
+            <a:avLst/>
+          </a:prstGeom>
+        </p:spPr>
+      </p:pic>
+    </p:spTree>
+    <p:extLst>
+      <p:ext uri="{BB962C8B-B14F-4D97-AF65-F5344CB8AC3E}">
+        <p14:creationId xmlns:p14="http://schemas.microsoft.com/office/powerpoint/2010/main" val="3359627572"/>
+      </p:ext>
+    </p:extLst>
+  </p:cSld>
+  <p:clrMapOvr>
+    <a:masterClrMapping/>
+  </p:clrMapOvr>
+</p:sld>
+</file>
+
+<file path=ppt/slides/slide16.xml><?xml version="1.0" encoding="utf-8"?>
+<p:sld xmlns:a="http://schemas.openxmlformats.org/drawingml/2006/main" xmlns:r="http://schemas.openxmlformats.org/officeDocument/2006/relationships" xmlns:p="http://schemas.openxmlformats.org/presentationml/2006/main">
+  <p:cSld>
+    <p:spTree>
+      <p:nvGrpSpPr>
+        <p:cNvPr id="1" name=""/>
+        <p:cNvGrpSpPr/>
+        <p:nvPr/>
+      </p:nvGrpSpPr>
+      <p:grpSpPr>
+        <a:xfrm>
+          <a:off x="0" y="0"/>
+          <a:ext cx="0" cy="0"/>
+          <a:chOff x="0" y="0"/>
+          <a:chExt cx="0" cy="0"/>
+        </a:xfrm>
+      </p:grpSpPr>
+      <p:pic>
+        <p:nvPicPr>
+          <p:cNvPr id="4" name="Immagine 3">
+            <a:extLst>
+              <a:ext uri="{FF2B5EF4-FFF2-40B4-BE49-F238E27FC236}">
+                <a16:creationId xmlns:a16="http://schemas.microsoft.com/office/drawing/2014/main" id="{99BC006C-31B6-4E9F-B10A-EB48F701F7E2}"/>
+              </a:ext>
+            </a:extLst>
+          </p:cNvPr>
+          <p:cNvPicPr>
+            <a:picLocks noChangeAspect="1"/>
+          </p:cNvPicPr>
+          <p:nvPr/>
+        </p:nvPicPr>
+        <p:blipFill rotWithShape="1">
+          <a:blip r:embed="rId2"/>
+          <a:srcRect l="23258" t="14559" r="24174" b="4786"/>
+          <a:stretch/>
+        </p:blipFill>
+        <p:spPr>
+          <a:xfrm>
+            <a:off x="939569" y="818976"/>
+            <a:ext cx="5780014" cy="5220048"/>
+          </a:xfrm>
+          <a:prstGeom prst="rect">
+            <a:avLst/>
+          </a:prstGeom>
+        </p:spPr>
+      </p:pic>
+      <p:pic>
+        <p:nvPicPr>
+          <p:cNvPr id="5" name="Immagine 4">
+            <a:extLst>
+              <a:ext uri="{FF2B5EF4-FFF2-40B4-BE49-F238E27FC236}">
+                <a16:creationId xmlns:a16="http://schemas.microsoft.com/office/drawing/2014/main" id="{F1FBFC3F-684F-4733-942A-0995F1F971BF}"/>
+              </a:ext>
+            </a:extLst>
+          </p:cNvPr>
+          <p:cNvPicPr>
+            <a:picLocks noChangeAspect="1"/>
+          </p:cNvPicPr>
+          <p:nvPr/>
+        </p:nvPicPr>
+        <p:blipFill rotWithShape="1">
+          <a:blip r:embed="rId3"/>
+          <a:srcRect l="23670" t="23884" r="39999" b="20734"/>
+          <a:stretch/>
+        </p:blipFill>
+        <p:spPr>
+          <a:xfrm>
+            <a:off x="6937695" y="818976"/>
+            <a:ext cx="5066951" cy="5220048"/>
+          </a:xfrm>
+          <a:prstGeom prst="rect">
+            <a:avLst/>
+          </a:prstGeom>
+        </p:spPr>
+      </p:pic>
+    </p:spTree>
+    <p:extLst>
+      <p:ext uri="{BB962C8B-B14F-4D97-AF65-F5344CB8AC3E}">
+        <p14:creationId xmlns:p14="http://schemas.microsoft.com/office/powerpoint/2010/main" val="658323905"/>
+      </p:ext>
+    </p:extLst>
+  </p:cSld>
+  <p:clrMapOvr>
+    <a:masterClrMapping/>
+  </p:clrMapOvr>
+</p:sld>
+</file>
+
+<file path=ppt/slides/slide17.xml><?xml version="1.0" encoding="utf-8"?>
+<p:sld xmlns:a="http://schemas.openxmlformats.org/drawingml/2006/main" xmlns:r="http://schemas.openxmlformats.org/officeDocument/2006/relationships" xmlns:p="http://schemas.openxmlformats.org/presentationml/2006/main">
+  <p:cSld>
+    <p:spTree>
+      <p:nvGrpSpPr>
+        <p:cNvPr id="1" name=""/>
+        <p:cNvGrpSpPr/>
+        <p:nvPr/>
+      </p:nvGrpSpPr>
+      <p:grpSpPr>
+        <a:xfrm>
+          <a:off x="0" y="0"/>
+          <a:ext cx="0" cy="0"/>
+          <a:chOff x="0" y="0"/>
+          <a:chExt cx="0" cy="0"/>
+        </a:xfrm>
+      </p:grpSpPr>
+      <p:pic>
+        <p:nvPicPr>
+          <p:cNvPr id="2" name="Immagine 1">
+            <a:extLst>
+              <a:ext uri="{FF2B5EF4-FFF2-40B4-BE49-F238E27FC236}">
+                <a16:creationId xmlns:a16="http://schemas.microsoft.com/office/drawing/2014/main" id="{62CCB0BD-6B7B-4490-B60D-8FC02E605607}"/>
+              </a:ext>
+            </a:extLst>
+          </p:cNvPr>
+          <p:cNvPicPr>
+            <a:picLocks noChangeAspect="1"/>
+          </p:cNvPicPr>
+          <p:nvPr/>
+        </p:nvPicPr>
+        <p:blipFill rotWithShape="1">
+          <a:blip r:embed="rId2"/>
+          <a:srcRect l="23533" t="15413" r="37316" b="4220"/>
+          <a:stretch/>
+        </p:blipFill>
+        <p:spPr>
+          <a:xfrm>
+            <a:off x="1065401" y="805343"/>
+            <a:ext cx="4773337" cy="5511568"/>
+          </a:xfrm>
+          <a:prstGeom prst="rect">
+            <a:avLst/>
+          </a:prstGeom>
+        </p:spPr>
+      </p:pic>
+      <p:pic>
+        <p:nvPicPr>
+          <p:cNvPr id="3" name="Immagine 2">
+            <a:extLst>
+              <a:ext uri="{FF2B5EF4-FFF2-40B4-BE49-F238E27FC236}">
+                <a16:creationId xmlns:a16="http://schemas.microsoft.com/office/drawing/2014/main" id="{510E1184-AB26-4388-8851-44B09473771E}"/>
+              </a:ext>
+            </a:extLst>
+          </p:cNvPr>
+          <p:cNvPicPr>
+            <a:picLocks noChangeAspect="1"/>
+          </p:cNvPicPr>
+          <p:nvPr/>
+        </p:nvPicPr>
+        <p:blipFill rotWithShape="1">
+          <a:blip r:embed="rId3"/>
+          <a:srcRect l="22569" t="24831" r="38280" b="14862"/>
+          <a:stretch/>
+        </p:blipFill>
+        <p:spPr>
+          <a:xfrm>
+            <a:off x="6451135" y="805343"/>
+            <a:ext cx="5276676" cy="5511568"/>
+          </a:xfrm>
+          <a:prstGeom prst="rect">
+            <a:avLst/>
+          </a:prstGeom>
+        </p:spPr>
+      </p:pic>
+    </p:spTree>
+    <p:extLst>
+      <p:ext uri="{BB962C8B-B14F-4D97-AF65-F5344CB8AC3E}">
+        <p14:creationId xmlns:p14="http://schemas.microsoft.com/office/powerpoint/2010/main" val="2384924425"/>
+      </p:ext>
+    </p:extLst>
+  </p:cSld>
+  <p:clrMapOvr>
+    <a:masterClrMapping/>
+  </p:clrMapOvr>
+</p:sld>
+</file>
+
 <file path=ppt/slides/slide2.xml><?xml version="1.0" encoding="utf-8"?>
 <p:sld xmlns:a="http://schemas.openxmlformats.org/drawingml/2006/main" xmlns:r="http://schemas.openxmlformats.org/officeDocument/2006/relationships" xmlns:p="http://schemas.openxmlformats.org/presentationml/2006/main">
   <p:cSld>
